--- a/capstone1_covid-19.pptx
+++ b/capstone1_covid-19.pptx
@@ -16,7 +16,8 @@
     <p:sldId id="264" r:id="rId10"/>
     <p:sldId id="265" r:id="rId11"/>
     <p:sldId id="266" r:id="rId12"/>
-    <p:sldId id="267" r:id="rId13"/>
+    <p:sldId id="268" r:id="rId13"/>
+    <p:sldId id="267" r:id="rId14"/>
   </p:sldIdLst>
   <p:sldSz cx="12192000" cy="6858000"/>
   <p:notesSz cx="6858000" cy="9144000"/>
@@ -115,6 +116,11 @@
       </a:defRPr>
     </a:lvl9pPr>
   </p:defaultTextStyle>
+  <p:extLst>
+    <p:ext uri="{EFAFB233-063F-42B5-8137-9DF3F51BA10A}">
+      <p15:sldGuideLst xmlns:p15="http://schemas.microsoft.com/office/powerpoint/2012/main"/>
+    </p:ext>
+  </p:extLst>
 </p:presentation>
 </file>
 
@@ -265,7 +271,7 @@
           <a:p>
             <a:fld id="{FB10CA61-95E7-4AA5-87FC-9689C59CF03A}" type="datetimeFigureOut">
               <a:rPr lang="en-US" smtClean="0"/>
-              <a:t>5/13/2020</a:t>
+              <a:t>5/19/2020</a:t>
             </a:fld>
             <a:endParaRPr lang="en-US"/>
           </a:p>
@@ -463,7 +469,7 @@
           <a:p>
             <a:fld id="{FB10CA61-95E7-4AA5-87FC-9689C59CF03A}" type="datetimeFigureOut">
               <a:rPr lang="en-US" smtClean="0"/>
-              <a:t>5/13/2020</a:t>
+              <a:t>5/19/2020</a:t>
             </a:fld>
             <a:endParaRPr lang="en-US"/>
           </a:p>
@@ -671,7 +677,7 @@
           <a:p>
             <a:fld id="{FB10CA61-95E7-4AA5-87FC-9689C59CF03A}" type="datetimeFigureOut">
               <a:rPr lang="en-US" smtClean="0"/>
-              <a:t>5/13/2020</a:t>
+              <a:t>5/19/2020</a:t>
             </a:fld>
             <a:endParaRPr lang="en-US"/>
           </a:p>
@@ -869,7 +875,7 @@
           <a:p>
             <a:fld id="{FB10CA61-95E7-4AA5-87FC-9689C59CF03A}" type="datetimeFigureOut">
               <a:rPr lang="en-US" smtClean="0"/>
-              <a:t>5/13/2020</a:t>
+              <a:t>5/19/2020</a:t>
             </a:fld>
             <a:endParaRPr lang="en-US"/>
           </a:p>
@@ -1144,7 +1150,7 @@
           <a:p>
             <a:fld id="{FB10CA61-95E7-4AA5-87FC-9689C59CF03A}" type="datetimeFigureOut">
               <a:rPr lang="en-US" smtClean="0"/>
-              <a:t>5/13/2020</a:t>
+              <a:t>5/19/2020</a:t>
             </a:fld>
             <a:endParaRPr lang="en-US"/>
           </a:p>
@@ -1409,7 +1415,7 @@
           <a:p>
             <a:fld id="{FB10CA61-95E7-4AA5-87FC-9689C59CF03A}" type="datetimeFigureOut">
               <a:rPr lang="en-US" smtClean="0"/>
-              <a:t>5/13/2020</a:t>
+              <a:t>5/19/2020</a:t>
             </a:fld>
             <a:endParaRPr lang="en-US"/>
           </a:p>
@@ -1821,7 +1827,7 @@
           <a:p>
             <a:fld id="{FB10CA61-95E7-4AA5-87FC-9689C59CF03A}" type="datetimeFigureOut">
               <a:rPr lang="en-US" smtClean="0"/>
-              <a:t>5/13/2020</a:t>
+              <a:t>5/19/2020</a:t>
             </a:fld>
             <a:endParaRPr lang="en-US"/>
           </a:p>
@@ -1962,7 +1968,7 @@
           <a:p>
             <a:fld id="{FB10CA61-95E7-4AA5-87FC-9689C59CF03A}" type="datetimeFigureOut">
               <a:rPr lang="en-US" smtClean="0"/>
-              <a:t>5/13/2020</a:t>
+              <a:t>5/19/2020</a:t>
             </a:fld>
             <a:endParaRPr lang="en-US"/>
           </a:p>
@@ -2075,7 +2081,7 @@
           <a:p>
             <a:fld id="{FB10CA61-95E7-4AA5-87FC-9689C59CF03A}" type="datetimeFigureOut">
               <a:rPr lang="en-US" smtClean="0"/>
-              <a:t>5/13/2020</a:t>
+              <a:t>5/19/2020</a:t>
             </a:fld>
             <a:endParaRPr lang="en-US"/>
           </a:p>
@@ -2386,7 +2392,7 @@
           <a:p>
             <a:fld id="{FB10CA61-95E7-4AA5-87FC-9689C59CF03A}" type="datetimeFigureOut">
               <a:rPr lang="en-US" smtClean="0"/>
-              <a:t>5/13/2020</a:t>
+              <a:t>5/19/2020</a:t>
             </a:fld>
             <a:endParaRPr lang="en-US"/>
           </a:p>
@@ -2674,7 +2680,7 @@
           <a:p>
             <a:fld id="{FB10CA61-95E7-4AA5-87FC-9689C59CF03A}" type="datetimeFigureOut">
               <a:rPr lang="en-US" smtClean="0"/>
-              <a:t>5/13/2020</a:t>
+              <a:t>5/19/2020</a:t>
             </a:fld>
             <a:endParaRPr lang="en-US"/>
           </a:p>
@@ -2915,7 +2921,7 @@
           <a:p>
             <a:fld id="{FB10CA61-95E7-4AA5-87FC-9689C59CF03A}" type="datetimeFigureOut">
               <a:rPr lang="en-US" smtClean="0"/>
-              <a:t>5/13/2020</a:t>
+              <a:t>5/19/2020</a:t>
             </a:fld>
             <a:endParaRPr lang="en-US"/>
           </a:p>
@@ -3632,6 +3638,120 @@
           <p:cNvPr id="2" name="Title 1">
             <a:extLst>
               <a:ext uri="{FF2B5EF4-FFF2-40B4-BE49-F238E27FC236}">
+                <a16:creationId xmlns:a16="http://schemas.microsoft.com/office/drawing/2014/main" id="{DEEAE500-C576-4585-8D98-352313F61674}"/>
+              </a:ext>
+            </a:extLst>
+          </p:cNvPr>
+          <p:cNvSpPr>
+            <a:spLocks noGrp="1"/>
+          </p:cNvSpPr>
+          <p:nvPr>
+            <p:ph type="title"/>
+          </p:nvPr>
+        </p:nvSpPr>
+        <p:spPr/>
+        <p:txBody>
+          <a:bodyPr/>
+          <a:lstStyle/>
+          <a:p>
+            <a:r>
+              <a:rPr lang="en-US" dirty="0"/>
+              <a:t>Distribution of deaths per day;</a:t>
+            </a:r>
+            <a:br>
+              <a:rPr lang="en-US" dirty="0"/>
+            </a:br>
+            <a:r>
+              <a:rPr lang="en-US" dirty="0"/>
+              <a:t>Lockdown vs Pre-Lockdown</a:t>
+            </a:r>
+          </a:p>
+        </p:txBody>
+      </p:sp>
+      <p:pic>
+        <p:nvPicPr>
+          <p:cNvPr id="1028" name="Picture 4">
+            <a:extLst>
+              <a:ext uri="{FF2B5EF4-FFF2-40B4-BE49-F238E27FC236}">
+                <a16:creationId xmlns:a16="http://schemas.microsoft.com/office/drawing/2014/main" id="{6521E36C-B64B-4CC0-9A25-2D661BD8CB1B}"/>
+              </a:ext>
+            </a:extLst>
+          </p:cNvPr>
+          <p:cNvPicPr>
+            <a:picLocks noGrp="1" noChangeAspect="1" noChangeArrowheads="1"/>
+          </p:cNvPicPr>
+          <p:nvPr>
+            <p:ph idx="1"/>
+          </p:nvPr>
+        </p:nvPicPr>
+        <p:blipFill>
+          <a:blip r:embed="rId2">
+            <a:extLst>
+              <a:ext uri="{28A0092B-C50C-407E-A947-70E740481C1C}">
+                <a14:useLocalDpi xmlns:a14="http://schemas.microsoft.com/office/drawing/2010/main" val="0"/>
+              </a:ext>
+            </a:extLst>
+          </a:blip>
+          <a:srcRect/>
+          <a:stretch>
+            <a:fillRect/>
+          </a:stretch>
+        </p:blipFill>
+        <p:spPr bwMode="auto">
+          <a:xfrm>
+            <a:off x="838200" y="1690689"/>
+            <a:ext cx="10515599" cy="5167312"/>
+          </a:xfrm>
+          <a:prstGeom prst="rect">
+            <a:avLst/>
+          </a:prstGeom>
+          <a:noFill/>
+          <a:extLst>
+            <a:ext uri="{909E8E84-426E-40DD-AFC4-6F175D3DCCD1}">
+              <a14:hiddenFill xmlns:a14="http://schemas.microsoft.com/office/drawing/2010/main">
+                <a:solidFill>
+                  <a:srgbClr val="FFFFFF"/>
+                </a:solidFill>
+              </a14:hiddenFill>
+            </a:ext>
+          </a:extLst>
+        </p:spPr>
+      </p:pic>
+    </p:spTree>
+    <p:extLst>
+      <p:ext uri="{BB962C8B-B14F-4D97-AF65-F5344CB8AC3E}">
+        <p14:creationId xmlns:p14="http://schemas.microsoft.com/office/powerpoint/2010/main" val="88890859"/>
+      </p:ext>
+    </p:extLst>
+  </p:cSld>
+  <p:clrMapOvr>
+    <a:masterClrMapping/>
+  </p:clrMapOvr>
+</p:sld>
+</file>
+
+<file path=ppt/slides/slide13.xml><?xml version="1.0" encoding="utf-8"?>
+<p:sld xmlns:a="http://schemas.openxmlformats.org/drawingml/2006/main" xmlns:r="http://schemas.openxmlformats.org/officeDocument/2006/relationships" xmlns:p="http://schemas.openxmlformats.org/presentationml/2006/main">
+  <p:cSld>
+    <p:spTree>
+      <p:nvGrpSpPr>
+        <p:cNvPr id="1" name=""/>
+        <p:cNvGrpSpPr/>
+        <p:nvPr/>
+      </p:nvGrpSpPr>
+      <p:grpSpPr>
+        <a:xfrm>
+          <a:off x="0" y="0"/>
+          <a:ext cx="0" cy="0"/>
+          <a:chOff x="0" y="0"/>
+          <a:chExt cx="0" cy="0"/>
+        </a:xfrm>
+      </p:grpSpPr>
+      <p:sp>
+        <p:nvSpPr>
+          <p:cNvPr id="2" name="Title 1">
+            <a:extLst>
+              <a:ext uri="{FF2B5EF4-FFF2-40B4-BE49-F238E27FC236}">
                 <a16:creationId xmlns:a16="http://schemas.microsoft.com/office/drawing/2014/main" id="{BDAC04A9-F77C-4509-9B66-06173FFDFF42}"/>
               </a:ext>
             </a:extLst>
@@ -3782,7 +3902,7 @@
               <a:rPr lang="en-US" altLang="en-US" sz="1800" dirty="0">
                 <a:latin typeface="Arial" panose="020B0604020202020204" pitchFamily="34" charset="0"/>
               </a:rPr>
-              <a:t>(statistic=0.0, </a:t>
+              <a:t>: (statistic=0.0, </a:t>
             </a:r>
             <a:r>
               <a:rPr lang="en-US" altLang="en-US" sz="1800" dirty="0" err="1">

--- a/capstone1_covid-19.pptx
+++ b/capstone1_covid-19.pptx
@@ -6,18 +6,18 @@
   </p:sldMasterIdLst>
   <p:sldIdLst>
     <p:sldId id="256" r:id="rId2"/>
-    <p:sldId id="257" r:id="rId3"/>
-    <p:sldId id="258" r:id="rId4"/>
-    <p:sldId id="259" r:id="rId5"/>
-    <p:sldId id="260" r:id="rId6"/>
-    <p:sldId id="261" r:id="rId7"/>
+    <p:sldId id="272" r:id="rId3"/>
+    <p:sldId id="257" r:id="rId4"/>
+    <p:sldId id="258" r:id="rId5"/>
+    <p:sldId id="259" r:id="rId6"/>
+    <p:sldId id="260" r:id="rId7"/>
     <p:sldId id="262" r:id="rId8"/>
     <p:sldId id="263" r:id="rId9"/>
-    <p:sldId id="264" r:id="rId10"/>
-    <p:sldId id="265" r:id="rId11"/>
+    <p:sldId id="265" r:id="rId10"/>
+    <p:sldId id="269" r:id="rId11"/>
     <p:sldId id="266" r:id="rId12"/>
-    <p:sldId id="268" r:id="rId13"/>
-    <p:sldId id="267" r:id="rId14"/>
+    <p:sldId id="270" r:id="rId13"/>
+    <p:sldId id="271" r:id="rId14"/>
   </p:sldIdLst>
   <p:sldSz cx="12192000" cy="6858000"/>
   <p:notesSz cx="6858000" cy="9144000"/>
@@ -271,7 +271,7 @@
           <a:p>
             <a:fld id="{FB10CA61-95E7-4AA5-87FC-9689C59CF03A}" type="datetimeFigureOut">
               <a:rPr lang="en-US" smtClean="0"/>
-              <a:t>5/19/2020</a:t>
+              <a:t>5/24/2020</a:t>
             </a:fld>
             <a:endParaRPr lang="en-US"/>
           </a:p>
@@ -469,7 +469,7 @@
           <a:p>
             <a:fld id="{FB10CA61-95E7-4AA5-87FC-9689C59CF03A}" type="datetimeFigureOut">
               <a:rPr lang="en-US" smtClean="0"/>
-              <a:t>5/19/2020</a:t>
+              <a:t>5/24/2020</a:t>
             </a:fld>
             <a:endParaRPr lang="en-US"/>
           </a:p>
@@ -677,7 +677,7 @@
           <a:p>
             <a:fld id="{FB10CA61-95E7-4AA5-87FC-9689C59CF03A}" type="datetimeFigureOut">
               <a:rPr lang="en-US" smtClean="0"/>
-              <a:t>5/19/2020</a:t>
+              <a:t>5/24/2020</a:t>
             </a:fld>
             <a:endParaRPr lang="en-US"/>
           </a:p>
@@ -875,7 +875,7 @@
           <a:p>
             <a:fld id="{FB10CA61-95E7-4AA5-87FC-9689C59CF03A}" type="datetimeFigureOut">
               <a:rPr lang="en-US" smtClean="0"/>
-              <a:t>5/19/2020</a:t>
+              <a:t>5/24/2020</a:t>
             </a:fld>
             <a:endParaRPr lang="en-US"/>
           </a:p>
@@ -1150,7 +1150,7 @@
           <a:p>
             <a:fld id="{FB10CA61-95E7-4AA5-87FC-9689C59CF03A}" type="datetimeFigureOut">
               <a:rPr lang="en-US" smtClean="0"/>
-              <a:t>5/19/2020</a:t>
+              <a:t>5/24/2020</a:t>
             </a:fld>
             <a:endParaRPr lang="en-US"/>
           </a:p>
@@ -1415,7 +1415,7 @@
           <a:p>
             <a:fld id="{FB10CA61-95E7-4AA5-87FC-9689C59CF03A}" type="datetimeFigureOut">
               <a:rPr lang="en-US" smtClean="0"/>
-              <a:t>5/19/2020</a:t>
+              <a:t>5/24/2020</a:t>
             </a:fld>
             <a:endParaRPr lang="en-US"/>
           </a:p>
@@ -1827,7 +1827,7 @@
           <a:p>
             <a:fld id="{FB10CA61-95E7-4AA5-87FC-9689C59CF03A}" type="datetimeFigureOut">
               <a:rPr lang="en-US" smtClean="0"/>
-              <a:t>5/19/2020</a:t>
+              <a:t>5/24/2020</a:t>
             </a:fld>
             <a:endParaRPr lang="en-US"/>
           </a:p>
@@ -1968,7 +1968,7 @@
           <a:p>
             <a:fld id="{FB10CA61-95E7-4AA5-87FC-9689C59CF03A}" type="datetimeFigureOut">
               <a:rPr lang="en-US" smtClean="0"/>
-              <a:t>5/19/2020</a:t>
+              <a:t>5/24/2020</a:t>
             </a:fld>
             <a:endParaRPr lang="en-US"/>
           </a:p>
@@ -2081,7 +2081,7 @@
           <a:p>
             <a:fld id="{FB10CA61-95E7-4AA5-87FC-9689C59CF03A}" type="datetimeFigureOut">
               <a:rPr lang="en-US" smtClean="0"/>
-              <a:t>5/19/2020</a:t>
+              <a:t>5/24/2020</a:t>
             </a:fld>
             <a:endParaRPr lang="en-US"/>
           </a:p>
@@ -2392,7 +2392,7 @@
           <a:p>
             <a:fld id="{FB10CA61-95E7-4AA5-87FC-9689C59CF03A}" type="datetimeFigureOut">
               <a:rPr lang="en-US" smtClean="0"/>
-              <a:t>5/19/2020</a:t>
+              <a:t>5/24/2020</a:t>
             </a:fld>
             <a:endParaRPr lang="en-US"/>
           </a:p>
@@ -2680,7 +2680,7 @@
           <a:p>
             <a:fld id="{FB10CA61-95E7-4AA5-87FC-9689C59CF03A}" type="datetimeFigureOut">
               <a:rPr lang="en-US" smtClean="0"/>
-              <a:t>5/19/2020</a:t>
+              <a:t>5/24/2020</a:t>
             </a:fld>
             <a:endParaRPr lang="en-US"/>
           </a:p>
@@ -2921,7 +2921,7 @@
           <a:p>
             <a:fld id="{FB10CA61-95E7-4AA5-87FC-9689C59CF03A}" type="datetimeFigureOut">
               <a:rPr lang="en-US" smtClean="0"/>
-              <a:t>5/19/2020</a:t>
+              <a:t>5/24/2020</a:t>
             </a:fld>
             <a:endParaRPr lang="en-US"/>
           </a:p>
@@ -3444,8 +3444,8 @@
         </p:nvSpPr>
         <p:spPr>
           <a:xfrm>
-            <a:off x="838200" y="365126"/>
-            <a:ext cx="10515600" cy="564264"/>
+            <a:off x="838200" y="224852"/>
+            <a:ext cx="10515600" cy="434715"/>
           </a:xfrm>
         </p:spPr>
         <p:txBody>
@@ -3463,10 +3463,10 @@
       </p:sp>
       <p:pic>
         <p:nvPicPr>
-          <p:cNvPr id="6146" name="Picture 2">
-            <a:extLst>
-              <a:ext uri="{FF2B5EF4-FFF2-40B4-BE49-F238E27FC236}">
-                <a16:creationId xmlns:a16="http://schemas.microsoft.com/office/drawing/2014/main" id="{B63D52D4-0155-4A0A-BE73-4BF7F1367664}"/>
+          <p:cNvPr id="4098" name="Picture 2">
+            <a:extLst>
+              <a:ext uri="{FF2B5EF4-FFF2-40B4-BE49-F238E27FC236}">
+                <a16:creationId xmlns:a16="http://schemas.microsoft.com/office/drawing/2014/main" id="{B36E9ACE-3E55-4DB9-8720-60564DABA57C}"/>
               </a:ext>
             </a:extLst>
           </p:cNvPr>
@@ -3492,8 +3492,8 @@
         </p:blipFill>
         <p:spPr bwMode="auto">
           <a:xfrm>
-            <a:off x="838200" y="929389"/>
-            <a:ext cx="10515600" cy="5741233"/>
+            <a:off x="838200" y="659567"/>
+            <a:ext cx="10515600" cy="5973581"/>
           </a:xfrm>
           <a:prstGeom prst="rect">
             <a:avLst/>
@@ -3513,7 +3513,7 @@
     </p:spTree>
     <p:extLst>
       <p:ext uri="{BB962C8B-B14F-4D97-AF65-F5344CB8AC3E}">
-        <p14:creationId xmlns:p14="http://schemas.microsoft.com/office/powerpoint/2010/main" val="3991797495"/>
+        <p14:creationId xmlns:p14="http://schemas.microsoft.com/office/powerpoint/2010/main" val="3006293673"/>
       </p:ext>
     </p:extLst>
   </p:cSld>
@@ -3591,14 +3591,37 @@
             <p:ph idx="1"/>
           </p:nvPr>
         </p:nvSpPr>
-        <p:spPr/>
-        <p:txBody>
-          <a:bodyPr/>
+        <p:spPr>
+          <a:xfrm>
+            <a:off x="838200" y="959370"/>
+            <a:ext cx="10515600" cy="5533505"/>
+          </a:xfrm>
+        </p:spPr>
+        <p:txBody>
+          <a:bodyPr>
+            <a:normAutofit/>
+          </a:bodyPr>
           <a:lstStyle/>
           <a:p>
             <a:r>
               <a:rPr lang="en-US" dirty="0"/>
-              <a:t>From this sample set of data, it is hard to see if locking down stifled the infection rate over similar periods of time. Even if the death rate was slowed, going under lockdown apparently did not stifle the infection rate enough to actually cause a decrease in rates of death during this time period. The time period before lockdown seems more stable on average, which could be the result of early exponential datasets seeing relatively miniscule changes at the beginning</a:t>
+              <a:t>Even though the lockdowns alone aren't enough to stop the exponential nature of the curve, when the curves are shown on a log scale, the differences in their slopes (death rates of countries going into lockdown vs the period just before then) indicate lockdowns have a noticeable correlation with a decreased rate of spread. </a:t>
+            </a:r>
+          </a:p>
+          <a:p>
+            <a:endParaRPr lang="en-US" dirty="0"/>
+          </a:p>
+          <a:p>
+            <a:r>
+              <a:rPr lang="en-US" dirty="0"/>
+              <a:t>This information could be useful to lawmakers when determining whether they should continue to enforce lockdown procedures. </a:t>
+            </a:r>
+          </a:p>
+          <a:p>
+            <a:pPr lvl="1"/>
+            <a:r>
+              <a:rPr lang="en-US" dirty="0"/>
+              <a:t>As more countries decide to test the waters and release their lockdown procedures in the midst of the pandemic, that data can be gathered and those groups can be compared to either refute or verify these first trends.</a:t>
             </a:r>
           </a:p>
         </p:txBody>
@@ -3633,47 +3656,12 @@
           <a:chExt cx="0" cy="0"/>
         </a:xfrm>
       </p:grpSpPr>
-      <p:sp>
-        <p:nvSpPr>
-          <p:cNvPr id="2" name="Title 1">
-            <a:extLst>
-              <a:ext uri="{FF2B5EF4-FFF2-40B4-BE49-F238E27FC236}">
-                <a16:creationId xmlns:a16="http://schemas.microsoft.com/office/drawing/2014/main" id="{DEEAE500-C576-4585-8D98-352313F61674}"/>
-              </a:ext>
-            </a:extLst>
-          </p:cNvPr>
-          <p:cNvSpPr>
-            <a:spLocks noGrp="1"/>
-          </p:cNvSpPr>
-          <p:nvPr>
-            <p:ph type="title"/>
-          </p:nvPr>
-        </p:nvSpPr>
-        <p:spPr/>
-        <p:txBody>
-          <a:bodyPr/>
-          <a:lstStyle/>
-          <a:p>
-            <a:r>
-              <a:rPr lang="en-US" dirty="0"/>
-              <a:t>Distribution of deaths per day;</a:t>
-            </a:r>
-            <a:br>
-              <a:rPr lang="en-US" dirty="0"/>
-            </a:br>
-            <a:r>
-              <a:rPr lang="en-US" dirty="0"/>
-              <a:t>Lockdown vs Pre-Lockdown</a:t>
-            </a:r>
-          </a:p>
-        </p:txBody>
-      </p:sp>
       <p:pic>
         <p:nvPicPr>
-          <p:cNvPr id="1028" name="Picture 4">
-            <a:extLst>
-              <a:ext uri="{FF2B5EF4-FFF2-40B4-BE49-F238E27FC236}">
-                <a16:creationId xmlns:a16="http://schemas.microsoft.com/office/drawing/2014/main" id="{6521E36C-B64B-4CC0-9A25-2D661BD8CB1B}"/>
+          <p:cNvPr id="5122" name="Picture 2">
+            <a:extLst>
+              <a:ext uri="{FF2B5EF4-FFF2-40B4-BE49-F238E27FC236}">
+                <a16:creationId xmlns:a16="http://schemas.microsoft.com/office/drawing/2014/main" id="{D7533161-056B-4AE0-8BAB-C620F020B6FB}"/>
               </a:ext>
             </a:extLst>
           </p:cNvPr>
@@ -3699,8 +3687,8 @@
         </p:blipFill>
         <p:spPr bwMode="auto">
           <a:xfrm>
-            <a:off x="838200" y="1690689"/>
-            <a:ext cx="10515599" cy="5167312"/>
+            <a:off x="779488" y="509667"/>
+            <a:ext cx="10403173" cy="6130976"/>
           </a:xfrm>
           <a:prstGeom prst="rect">
             <a:avLst/>
@@ -3720,7 +3708,7 @@
     </p:spTree>
     <p:extLst>
       <p:ext uri="{BB962C8B-B14F-4D97-AF65-F5344CB8AC3E}">
-        <p14:creationId xmlns:p14="http://schemas.microsoft.com/office/powerpoint/2010/main" val="88890859"/>
+        <p14:creationId xmlns:p14="http://schemas.microsoft.com/office/powerpoint/2010/main" val="223808059"/>
       </p:ext>
     </p:extLst>
   </p:cSld>
@@ -3752,7 +3740,7 @@
           <p:cNvPr id="2" name="Title 1">
             <a:extLst>
               <a:ext uri="{FF2B5EF4-FFF2-40B4-BE49-F238E27FC236}">
-                <a16:creationId xmlns:a16="http://schemas.microsoft.com/office/drawing/2014/main" id="{BDAC04A9-F77C-4509-9B66-06173FFDFF42}"/>
+                <a16:creationId xmlns:a16="http://schemas.microsoft.com/office/drawing/2014/main" id="{7F121343-6D47-4674-B260-656906B6BB7C}"/>
               </a:ext>
             </a:extLst>
           </p:cNvPr>
@@ -3765,8 +3753,8 @@
         </p:nvSpPr>
         <p:spPr>
           <a:xfrm>
-            <a:off x="838200" y="299803"/>
-            <a:ext cx="10515600" cy="1738859"/>
+            <a:off x="838200" y="365126"/>
+            <a:ext cx="10515600" cy="609236"/>
           </a:xfrm>
         </p:spPr>
         <p:txBody>
@@ -3776,163 +3764,79 @@
           <a:lstStyle/>
           <a:p>
             <a:r>
-              <a:rPr lang="en-US" dirty="0" err="1"/>
-              <a:t>stats.wilcoxon</a:t>
-            </a:r>
-            <a:r>
               <a:rPr lang="en-US" dirty="0"/>
-              <a:t>((</a:t>
-            </a:r>
-            <a:r>
-              <a:rPr lang="en-US" dirty="0" err="1"/>
-              <a:t>test_data</a:t>
-            </a:r>
+              <a:t>Shapiro tests suggest non-normal distributions</a:t>
+            </a:r>
+          </a:p>
+        </p:txBody>
+      </p:sp>
+      <p:sp>
+        <p:nvSpPr>
+          <p:cNvPr id="3" name="Content Placeholder 2">
+            <a:extLst>
+              <a:ext uri="{FF2B5EF4-FFF2-40B4-BE49-F238E27FC236}">
+                <a16:creationId xmlns:a16="http://schemas.microsoft.com/office/drawing/2014/main" id="{E2797E9B-9AAF-4FDB-942A-93CE983CB1F8}"/>
+              </a:ext>
+            </a:extLst>
+          </p:cNvPr>
+          <p:cNvSpPr>
+            <a:spLocks noGrp="1"/>
+          </p:cNvSpPr>
+          <p:nvPr>
+            <p:ph idx="1"/>
+          </p:nvPr>
+        </p:nvSpPr>
+        <p:spPr/>
+        <p:txBody>
+          <a:bodyPr>
+            <a:normAutofit lnSpcReduction="10000"/>
+          </a:bodyPr>
+          <a:lstStyle/>
+          <a:p>
             <a:r>
               <a:rPr lang="en-US" dirty="0"/>
-              <a:t>[</a:t>
-            </a:r>
-            <a:r>
-              <a:rPr lang="en-US" dirty="0" err="1"/>
-              <a:t>test_data</a:t>
-            </a:r>
+              <a:t>Wilcoxon signed-rank test chosen to test for statistical significance between the two test groups.</a:t>
+            </a:r>
+          </a:p>
+          <a:p>
+            <a:pPr lvl="1"/>
             <a:r>
               <a:rPr lang="en-US" dirty="0"/>
-              <a:t>['Lockdown'] == True]['deaths']-</a:t>
-            </a:r>
-            <a:r>
-              <a:rPr lang="en-US" dirty="0" err="1"/>
-              <a:t>test_data</a:t>
-            </a:r>
+              <a:t>The null hypothesis is that the median difference between pairs of observations (deaths over time while under lockdown vs not under lockdown) is zero</a:t>
+            </a:r>
+          </a:p>
+          <a:p>
+            <a:pPr lvl="1"/>
+            <a:endParaRPr lang="en-US" dirty="0"/>
+          </a:p>
+          <a:p>
+            <a:pPr lvl="1"/>
             <a:r>
               <a:rPr lang="en-US" dirty="0"/>
-              <a:t>[</a:t>
-            </a:r>
-            <a:r>
-              <a:rPr lang="en-US" dirty="0" err="1"/>
-              <a:t>test_data</a:t>
-            </a:r>
+              <a:t>Wilcoxon result: p-value = 2.41x10^-47 which is sufficiently small enough to reject the null hypothesis.</a:t>
+            </a:r>
+          </a:p>
+          <a:p>
+            <a:pPr lvl="1"/>
+            <a:endParaRPr lang="en-US" dirty="0"/>
+          </a:p>
+          <a:p>
+            <a:pPr lvl="1"/>
             <a:r>
               <a:rPr lang="en-US" dirty="0"/>
-              <a:t>['Lockdown'] == False]['deaths']))</a:t>
-            </a:r>
-          </a:p>
-        </p:txBody>
-      </p:sp>
-      <p:sp>
-        <p:nvSpPr>
-          <p:cNvPr id="4" name="Rectangle 1">
-            <a:extLst>
-              <a:ext uri="{FF2B5EF4-FFF2-40B4-BE49-F238E27FC236}">
-                <a16:creationId xmlns:a16="http://schemas.microsoft.com/office/drawing/2014/main" id="{2055DC11-2796-4AF3-9669-0183ACA6CB67}"/>
-              </a:ext>
-            </a:extLst>
-          </p:cNvPr>
-          <p:cNvSpPr>
-            <a:spLocks noGrp="1" noChangeArrowheads="1"/>
-          </p:cNvSpPr>
-          <p:nvPr>
-            <p:ph idx="1"/>
-          </p:nvPr>
-        </p:nvSpPr>
-        <p:spPr bwMode="auto">
-          <a:xfrm flipH="1">
-            <a:off x="974360" y="2272811"/>
-            <a:ext cx="5741231" cy="553998"/>
-          </a:xfrm>
-          <a:prstGeom prst="rect">
-            <a:avLst/>
-          </a:prstGeom>
-          <a:solidFill>
-            <a:srgbClr val="FFFFFF"/>
-          </a:solidFill>
-          <a:ln>
-            <a:noFill/>
-          </a:ln>
-          <a:effectLst/>
-          <a:extLst>
-            <a:ext uri="{91240B29-F687-4F45-9708-019B960494DF}">
-              <a14:hiddenLine xmlns:a14="http://schemas.microsoft.com/office/drawing/2010/main" w="9525">
-                <a:solidFill>
-                  <a:schemeClr val="tx1"/>
-                </a:solidFill>
-                <a:miter lim="800000"/>
-                <a:headEnd/>
-                <a:tailEnd/>
-              </a14:hiddenLine>
-            </a:ext>
-            <a:ext uri="{AF507438-7753-43E0-B8FC-AC1667EBCBE1}">
-              <a14:hiddenEffects xmlns:a14="http://schemas.microsoft.com/office/drawing/2010/main">
-                <a:effectLst>
-                  <a:outerShdw dist="35921" dir="2700000" algn="ctr" rotWithShape="0">
-                    <a:schemeClr val="bg2"/>
-                  </a:outerShdw>
-                </a:effectLst>
-              </a14:hiddenEffects>
-            </a:ext>
-          </a:extLst>
-        </p:spPr>
-        <p:txBody>
-          <a:bodyPr vert="horz" wrap="square" lIns="0" tIns="0" rIns="0" bIns="0" numCol="1" anchor="ctr" anchorCtr="0" compatLnSpc="1">
-            <a:prstTxWarp prst="textNoShape">
-              <a:avLst/>
-            </a:prstTxWarp>
-            <a:spAutoFit/>
-          </a:bodyPr>
-          <a:lstStyle/>
-          <a:p>
-            <a:pPr marL="0" lvl="0" indent="0" eaLnBrk="0" fontAlgn="base" hangingPunct="0">
-              <a:lnSpc>
-                <a:spcPct val="100000"/>
-              </a:lnSpc>
-              <a:spcBef>
-                <a:spcPct val="0"/>
-              </a:spcBef>
-              <a:spcAft>
-                <a:spcPct val="0"/>
-              </a:spcAft>
-              <a:buNone/>
-            </a:pPr>
-            <a:r>
-              <a:rPr lang="en-US" altLang="en-US" sz="1800" dirty="0" err="1">
-                <a:latin typeface="Arial" panose="020B0604020202020204" pitchFamily="34" charset="0"/>
-              </a:rPr>
-              <a:t>WilcoxonResult</a:t>
-            </a:r>
-            <a:r>
-              <a:rPr lang="en-US" altLang="en-US" sz="1800" dirty="0">
-                <a:latin typeface="Arial" panose="020B0604020202020204" pitchFamily="34" charset="0"/>
-              </a:rPr>
-              <a:t>: (statistic=0.0, </a:t>
-            </a:r>
-            <a:r>
-              <a:rPr lang="en-US" altLang="en-US" sz="1800" dirty="0" err="1">
-                <a:latin typeface="Arial" panose="020B0604020202020204" pitchFamily="34" charset="0"/>
-              </a:rPr>
-              <a:t>pvalue</a:t>
-            </a:r>
-            <a:r>
-              <a:rPr lang="en-US" altLang="en-US" sz="1800" dirty="0">
-                <a:latin typeface="Arial" panose="020B0604020202020204" pitchFamily="34" charset="0"/>
-              </a:rPr>
-              <a:t>=1.3894515759554441e-22)</a:t>
-            </a:r>
-            <a:endParaRPr kumimoji="0" lang="en-US" altLang="en-US" sz="1800" b="0" i="0" u="none" strike="noStrike" cap="none" normalizeH="0" baseline="0" dirty="0">
-              <a:ln>
-                <a:noFill/>
-              </a:ln>
-              <a:solidFill>
-                <a:schemeClr val="tx1"/>
-              </a:solidFill>
-              <a:effectLst/>
-              <a:latin typeface="Arial" panose="020B0604020202020204" pitchFamily="34" charset="0"/>
-            </a:endParaRPr>
+              <a:t>The rejection of the null hypothesis suggests the lockdowns show a statistically significantly strong correlation with a slowed exponential rate of spread when compared against those same countries before they went into lockdown.</a:t>
+            </a:r>
+          </a:p>
+          <a:p>
+            <a:pPr lvl="1"/>
+            <a:endParaRPr lang="en-US" dirty="0"/>
           </a:p>
         </p:txBody>
       </p:sp>
     </p:spTree>
     <p:extLst>
       <p:ext uri="{BB962C8B-B14F-4D97-AF65-F5344CB8AC3E}">
-        <p14:creationId xmlns:p14="http://schemas.microsoft.com/office/powerpoint/2010/main" val="3743814819"/>
+        <p14:creationId xmlns:p14="http://schemas.microsoft.com/office/powerpoint/2010/main" val="4211335823"/>
       </p:ext>
     </p:extLst>
   </p:cSld>
@@ -3964,7 +3868,7 @@
           <p:cNvPr id="2" name="Title 1">
             <a:extLst>
               <a:ext uri="{FF2B5EF4-FFF2-40B4-BE49-F238E27FC236}">
-                <a16:creationId xmlns:a16="http://schemas.microsoft.com/office/drawing/2014/main" id="{28EAC368-1E20-446C-BD6A-214B15AF7E82}"/>
+                <a16:creationId xmlns:a16="http://schemas.microsoft.com/office/drawing/2014/main" id="{0F253854-61AD-4F58-A51D-6E409A0A46F2}"/>
               </a:ext>
             </a:extLst>
           </p:cNvPr>
@@ -3975,14 +3879,19 @@
             <p:ph type="title"/>
           </p:nvPr>
         </p:nvSpPr>
-        <p:spPr/>
+        <p:spPr>
+          <a:xfrm>
+            <a:off x="838200" y="365126"/>
+            <a:ext cx="10515600" cy="804108"/>
+          </a:xfrm>
+        </p:spPr>
         <p:txBody>
           <a:bodyPr/>
           <a:lstStyle/>
           <a:p>
             <a:r>
               <a:rPr lang="en-US" dirty="0"/>
-              <a:t>The data sources:</a:t>
+              <a:t>Implications for this data:</a:t>
             </a:r>
           </a:p>
         </p:txBody>
@@ -3992,7 +3901,7 @@
           <p:cNvPr id="3" name="Content Placeholder 2">
             <a:extLst>
               <a:ext uri="{FF2B5EF4-FFF2-40B4-BE49-F238E27FC236}">
-                <a16:creationId xmlns:a16="http://schemas.microsoft.com/office/drawing/2014/main" id="{C0F74EF0-DFC4-4D87-93FB-70D3949B7593}"/>
+                <a16:creationId xmlns:a16="http://schemas.microsoft.com/office/drawing/2014/main" id="{0F9DCF88-E619-49F2-BC82-10DBC9E75A0C}"/>
               </a:ext>
             </a:extLst>
           </p:cNvPr>
@@ -4003,60 +3912,36 @@
             <p:ph idx="1"/>
           </p:nvPr>
         </p:nvSpPr>
-        <p:spPr/>
-        <p:txBody>
-          <a:bodyPr>
-            <a:normAutofit lnSpcReduction="10000"/>
-          </a:bodyPr>
+        <p:spPr>
+          <a:xfrm>
+            <a:off x="838200" y="1885585"/>
+            <a:ext cx="10515600" cy="4351338"/>
+          </a:xfrm>
+        </p:spPr>
+        <p:txBody>
+          <a:bodyPr/>
           <a:lstStyle/>
           <a:p>
             <a:r>
               <a:rPr lang="en-US" dirty="0"/>
-              <a:t>European Centre for Disease Prevention and Control; daily global geographic distribution of covid-19: </a:t>
-            </a:r>
-            <a:r>
-              <a:rPr lang="en-US" dirty="0">
-                <a:hlinkClick r:id="rId2"/>
-              </a:rPr>
-              <a:t>https://www.ecdc.europa.eu/en/publications-data/download-todays-data-geographic-distribution-covid-19-cases-worldwide</a:t>
-            </a:r>
+              <a:t>Necessary to determine whether lockdowns are an effective strategy to use to combat the severity of COVID-19</a:t>
+            </a:r>
+          </a:p>
+          <a:p>
             <a:endParaRPr lang="en-US" dirty="0"/>
           </a:p>
           <a:p>
             <a:r>
               <a:rPr lang="en-US" dirty="0"/>
-              <a:t>Wikipedia compilation containing lockdown information by country/region with lockdown start/end times: </a:t>
-            </a:r>
-            <a:r>
-              <a:rPr lang="en-US" dirty="0">
-                <a:hlinkClick r:id="rId3"/>
-              </a:rPr>
-              <a:t>https://en.wikipedia.org/wiki/Template:COVID-19_pandemic_lockdowns</a:t>
-            </a:r>
-            <a:endParaRPr lang="en-US" dirty="0"/>
-          </a:p>
-          <a:p>
-            <a:r>
-              <a:rPr lang="en-US" dirty="0"/>
-              <a:t>Annals of Internal Medicine; Incubation period of SARS-CoV-2: </a:t>
-            </a:r>
-            <a:r>
-              <a:rPr lang="en-US" dirty="0">
-                <a:hlinkClick r:id="rId4"/>
-              </a:rPr>
-              <a:t>https://annals.org/aim/fullarticle/2762808/incubation-period-coronavirus-disease-2019-covid-19-from-publicly-reported</a:t>
-            </a:r>
-            <a:endParaRPr lang="en-US" dirty="0"/>
-          </a:p>
-          <a:p>
-            <a:endParaRPr lang="en-US" dirty="0"/>
+              <a:t>Quantify changes in new cases and deaths over time. This is very important for policymakers when weighing against the economic challenges a lockdown will also bring.</a:t>
+            </a:r>
           </a:p>
         </p:txBody>
       </p:sp>
     </p:spTree>
     <p:extLst>
       <p:ext uri="{BB962C8B-B14F-4D97-AF65-F5344CB8AC3E}">
-        <p14:creationId xmlns:p14="http://schemas.microsoft.com/office/powerpoint/2010/main" val="1238908323"/>
+        <p14:creationId xmlns:p14="http://schemas.microsoft.com/office/powerpoint/2010/main" val="3965082175"/>
       </p:ext>
     </p:extLst>
   </p:cSld>
@@ -4088,7 +3973,7 @@
           <p:cNvPr id="2" name="Title 1">
             <a:extLst>
               <a:ext uri="{FF2B5EF4-FFF2-40B4-BE49-F238E27FC236}">
-                <a16:creationId xmlns:a16="http://schemas.microsoft.com/office/drawing/2014/main" id="{F71B94EE-2DA8-4FB8-9EC6-B5CB03D32157}"/>
+                <a16:creationId xmlns:a16="http://schemas.microsoft.com/office/drawing/2014/main" id="{28EAC368-1E20-446C-BD6A-214B15AF7E82}"/>
               </a:ext>
             </a:extLst>
           </p:cNvPr>
@@ -4106,7 +3991,7 @@
           <a:p>
             <a:r>
               <a:rPr lang="en-US" dirty="0"/>
-              <a:t>Considerations:</a:t>
+              <a:t>The data sources:</a:t>
             </a:r>
           </a:p>
         </p:txBody>
@@ -4116,7 +4001,7 @@
           <p:cNvPr id="3" name="Content Placeholder 2">
             <a:extLst>
               <a:ext uri="{FF2B5EF4-FFF2-40B4-BE49-F238E27FC236}">
-                <a16:creationId xmlns:a16="http://schemas.microsoft.com/office/drawing/2014/main" id="{1C3CF952-63AA-4B3A-9D4F-A46685CAA477}"/>
+                <a16:creationId xmlns:a16="http://schemas.microsoft.com/office/drawing/2014/main" id="{C0F74EF0-DFC4-4D87-93FB-70D3949B7593}"/>
               </a:ext>
             </a:extLst>
           </p:cNvPr>
@@ -4129,55 +4014,58 @@
         </p:nvSpPr>
         <p:spPr/>
         <p:txBody>
-          <a:bodyPr/>
+          <a:bodyPr>
+            <a:normAutofit lnSpcReduction="10000"/>
+          </a:bodyPr>
           <a:lstStyle/>
           <a:p>
             <a:r>
               <a:rPr lang="en-US" dirty="0"/>
-              <a:t>Many assumptions were made for the sake of simplification:</a:t>
-            </a:r>
-          </a:p>
-          <a:p>
-            <a:pPr lvl="1"/>
+              <a:t>European Centre for Disease Prevention and Control; daily global geographic distribution of covid-19: </a:t>
+            </a:r>
+            <a:r>
+              <a:rPr lang="en-US" dirty="0">
+                <a:hlinkClick r:id="rId2"/>
+              </a:rPr>
+              <a:t>https://www.ecdc.europa.eu/en/publications-data/download-todays-data-geographic-distribution-covid-19-cases-worldwide</a:t>
+            </a:r>
+            <a:endParaRPr lang="en-US" dirty="0"/>
+          </a:p>
+          <a:p>
             <a:r>
               <a:rPr lang="en-US" dirty="0"/>
-              <a:t>Lockdown procedures are assumed similar enough to be considered the same across countries.</a:t>
-            </a:r>
-          </a:p>
-          <a:p>
-            <a:pPr lvl="1"/>
+              <a:t>Wikipedia compilation containing lockdown information by country/region with lockdown start/end times: </a:t>
+            </a:r>
+            <a:r>
+              <a:rPr lang="en-US" dirty="0">
+                <a:hlinkClick r:id="rId3"/>
+              </a:rPr>
+              <a:t>https://en.wikipedia.org/wiki/Template:COVID-19_pandemic_lockdowns</a:t>
+            </a:r>
+            <a:endParaRPr lang="en-US" dirty="0"/>
+          </a:p>
+          <a:p>
             <a:r>
               <a:rPr lang="en-US" dirty="0"/>
-              <a:t>Countries assumed to have similar enough virus spread rate that they can be directly compared.</a:t>
-            </a:r>
-          </a:p>
-          <a:p>
-            <a:pPr lvl="1"/>
-            <a:r>
-              <a:rPr lang="en-US" dirty="0"/>
-              <a:t>Countries went into lockdown at about the same time after getting the virus </a:t>
-            </a:r>
-          </a:p>
-          <a:p>
-            <a:pPr lvl="1"/>
-            <a:r>
-              <a:rPr lang="en-US" dirty="0"/>
-              <a:t>Population density is roughly uniform throughout each country</a:t>
-            </a:r>
-          </a:p>
-          <a:p>
-            <a:pPr lvl="1"/>
-            <a:r>
-              <a:rPr lang="en-US" dirty="0"/>
-              <a:t>Test countries chosen had similar economic development to keep that potential variable constant</a:t>
-            </a:r>
+              <a:t>Annals of Internal Medicine; Incubation period of SARS-CoV-2: </a:t>
+            </a:r>
+            <a:r>
+              <a:rPr lang="en-US" dirty="0">
+                <a:hlinkClick r:id="rId4"/>
+              </a:rPr>
+              <a:t>https://annals.org/aim/fullarticle/2762808/incubation-period-coronavirus-disease-2019-covid-19-from-publicly-reported</a:t>
+            </a:r>
+            <a:endParaRPr lang="en-US" dirty="0"/>
+          </a:p>
+          <a:p>
+            <a:endParaRPr lang="en-US" dirty="0"/>
           </a:p>
         </p:txBody>
       </p:sp>
     </p:spTree>
     <p:extLst>
       <p:ext uri="{BB962C8B-B14F-4D97-AF65-F5344CB8AC3E}">
-        <p14:creationId xmlns:p14="http://schemas.microsoft.com/office/powerpoint/2010/main" val="1948217617"/>
+        <p14:creationId xmlns:p14="http://schemas.microsoft.com/office/powerpoint/2010/main" val="1238908323"/>
       </p:ext>
     </p:extLst>
   </p:cSld>
@@ -4209,7 +4097,7 @@
           <p:cNvPr id="2" name="Title 1">
             <a:extLst>
               <a:ext uri="{FF2B5EF4-FFF2-40B4-BE49-F238E27FC236}">
-                <a16:creationId xmlns:a16="http://schemas.microsoft.com/office/drawing/2014/main" id="{32D0A757-653A-4CB2-8792-0184739C8445}"/>
+                <a16:creationId xmlns:a16="http://schemas.microsoft.com/office/drawing/2014/main" id="{F71B94EE-2DA8-4FB8-9EC6-B5CB03D32157}"/>
               </a:ext>
             </a:extLst>
           </p:cNvPr>
@@ -4227,7 +4115,7 @@
           <a:p>
             <a:r>
               <a:rPr lang="en-US" dirty="0"/>
-              <a:t>Sorting the Data:</a:t>
+              <a:t>Considerations:</a:t>
             </a:r>
           </a:p>
         </p:txBody>
@@ -4237,7 +4125,7 @@
           <p:cNvPr id="3" name="Content Placeholder 2">
             <a:extLst>
               <a:ext uri="{FF2B5EF4-FFF2-40B4-BE49-F238E27FC236}">
-                <a16:creationId xmlns:a16="http://schemas.microsoft.com/office/drawing/2014/main" id="{79FF5BE4-F366-487F-A387-1F8DE07BD68E}"/>
+                <a16:creationId xmlns:a16="http://schemas.microsoft.com/office/drawing/2014/main" id="{1C3CF952-63AA-4B3A-9D4F-A46685CAA477}"/>
               </a:ext>
             </a:extLst>
           </p:cNvPr>
@@ -4255,13 +4143,42 @@
           <a:p>
             <a:r>
               <a:rPr lang="en-US" dirty="0"/>
-              <a:t>To formulate an A/B test, the data needed to be sorted into comparable groups: one containing the time period just before a lockdown went into effect, the other containing the time period just after a country has gone into lockdown (accommodating for the incubation period of the virus)</a:t>
-            </a:r>
-          </a:p>
-          <a:p>
+              <a:t>Many assumptions were made for the sake of simplification:</a:t>
+            </a:r>
+          </a:p>
+          <a:p>
+            <a:pPr lvl="1"/>
             <a:r>
               <a:rPr lang="en-US" dirty="0"/>
-              <a:t>To more evenly compare the two samples, the dates were binned based on the range being looked at (a week before and a week after the effects of the lockdowns) rather than grouping on the raw dates.</a:t>
+              <a:t>Lockdown procedures are assumed similar enough to be considered the same across countries.</a:t>
+            </a:r>
+          </a:p>
+          <a:p>
+            <a:pPr lvl="1"/>
+            <a:r>
+              <a:rPr lang="en-US" dirty="0"/>
+              <a:t>Countries assumed to have similar enough virus spread rate that they can be directly compared.</a:t>
+            </a:r>
+          </a:p>
+          <a:p>
+            <a:pPr lvl="1"/>
+            <a:r>
+              <a:rPr lang="en-US" dirty="0"/>
+              <a:t>Countries went into lockdown at about the same time after getting the virus </a:t>
+            </a:r>
+          </a:p>
+          <a:p>
+            <a:pPr lvl="1"/>
+            <a:r>
+              <a:rPr lang="en-US" dirty="0"/>
+              <a:t>Population density is roughly uniform throughout each country</a:t>
+            </a:r>
+          </a:p>
+          <a:p>
+            <a:pPr lvl="1"/>
+            <a:r>
+              <a:rPr lang="en-US" dirty="0"/>
+              <a:t>Test countries chosen had similar economic development to keep that potential variable constant</a:t>
             </a:r>
           </a:p>
         </p:txBody>
@@ -4269,7 +4186,7 @@
     </p:spTree>
     <p:extLst>
       <p:ext uri="{BB962C8B-B14F-4D97-AF65-F5344CB8AC3E}">
-        <p14:creationId xmlns:p14="http://schemas.microsoft.com/office/powerpoint/2010/main" val="1185116804"/>
+        <p14:creationId xmlns:p14="http://schemas.microsoft.com/office/powerpoint/2010/main" val="1948217617"/>
       </p:ext>
     </p:extLst>
   </p:cSld>
@@ -4301,6 +4218,98 @@
           <p:cNvPr id="2" name="Title 1">
             <a:extLst>
               <a:ext uri="{FF2B5EF4-FFF2-40B4-BE49-F238E27FC236}">
+                <a16:creationId xmlns:a16="http://schemas.microsoft.com/office/drawing/2014/main" id="{32D0A757-653A-4CB2-8792-0184739C8445}"/>
+              </a:ext>
+            </a:extLst>
+          </p:cNvPr>
+          <p:cNvSpPr>
+            <a:spLocks noGrp="1"/>
+          </p:cNvSpPr>
+          <p:nvPr>
+            <p:ph type="title"/>
+          </p:nvPr>
+        </p:nvSpPr>
+        <p:spPr/>
+        <p:txBody>
+          <a:bodyPr/>
+          <a:lstStyle/>
+          <a:p>
+            <a:r>
+              <a:rPr lang="en-US" dirty="0"/>
+              <a:t>Sorting the Data:</a:t>
+            </a:r>
+          </a:p>
+        </p:txBody>
+      </p:sp>
+      <p:sp>
+        <p:nvSpPr>
+          <p:cNvPr id="3" name="Content Placeholder 2">
+            <a:extLst>
+              <a:ext uri="{FF2B5EF4-FFF2-40B4-BE49-F238E27FC236}">
+                <a16:creationId xmlns:a16="http://schemas.microsoft.com/office/drawing/2014/main" id="{79FF5BE4-F366-487F-A387-1F8DE07BD68E}"/>
+              </a:ext>
+            </a:extLst>
+          </p:cNvPr>
+          <p:cNvSpPr>
+            <a:spLocks noGrp="1"/>
+          </p:cNvSpPr>
+          <p:nvPr>
+            <p:ph idx="1"/>
+          </p:nvPr>
+        </p:nvSpPr>
+        <p:spPr/>
+        <p:txBody>
+          <a:bodyPr/>
+          <a:lstStyle/>
+          <a:p>
+            <a:r>
+              <a:rPr lang="en-US" dirty="0"/>
+              <a:t>To formulate an A/B test, the data needed to be sorted into comparable groups: one containing the time period just before a lockdown went into effect, the other containing the time period just after a country has gone into lockdown (accommodating for the incubation period of the virus)</a:t>
+            </a:r>
+          </a:p>
+          <a:p>
+            <a:r>
+              <a:rPr lang="en-US" dirty="0"/>
+              <a:t>To more evenly compare the two samples, the dates were binned based on the range being looked at (two weeks before and after the effects of the lockdowns) rather than grouping on the raw dates.</a:t>
+            </a:r>
+          </a:p>
+        </p:txBody>
+      </p:sp>
+    </p:spTree>
+    <p:extLst>
+      <p:ext uri="{BB962C8B-B14F-4D97-AF65-F5344CB8AC3E}">
+        <p14:creationId xmlns:p14="http://schemas.microsoft.com/office/powerpoint/2010/main" val="1185116804"/>
+      </p:ext>
+    </p:extLst>
+  </p:cSld>
+  <p:clrMapOvr>
+    <a:masterClrMapping/>
+  </p:clrMapOvr>
+</p:sld>
+</file>
+
+<file path=ppt/slides/slide6.xml><?xml version="1.0" encoding="utf-8"?>
+<p:sld xmlns:a="http://schemas.openxmlformats.org/drawingml/2006/main" xmlns:r="http://schemas.openxmlformats.org/officeDocument/2006/relationships" xmlns:p="http://schemas.openxmlformats.org/presentationml/2006/main">
+  <p:cSld>
+    <p:spTree>
+      <p:nvGrpSpPr>
+        <p:cNvPr id="1" name=""/>
+        <p:cNvGrpSpPr/>
+        <p:nvPr/>
+      </p:nvGrpSpPr>
+      <p:grpSpPr>
+        <a:xfrm>
+          <a:off x="0" y="0"/>
+          <a:ext cx="0" cy="0"/>
+          <a:chOff x="0" y="0"/>
+          <a:chExt cx="0" cy="0"/>
+        </a:xfrm>
+      </p:grpSpPr>
+      <p:sp>
+        <p:nvSpPr>
+          <p:cNvPr id="2" name="Title 1">
+            <a:extLst>
+              <a:ext uri="{FF2B5EF4-FFF2-40B4-BE49-F238E27FC236}">
                 <a16:creationId xmlns:a16="http://schemas.microsoft.com/office/drawing/2014/main" id="{1FC72B54-6F88-4306-87C2-F98A7C943EBE}"/>
               </a:ext>
             </a:extLst>
@@ -4363,10 +4372,10 @@
       </p:sp>
       <p:pic>
         <p:nvPicPr>
-          <p:cNvPr id="1026" name="Picture 2">
-            <a:extLst>
-              <a:ext uri="{FF2B5EF4-FFF2-40B4-BE49-F238E27FC236}">
-                <a16:creationId xmlns:a16="http://schemas.microsoft.com/office/drawing/2014/main" id="{D54E878C-B394-43AB-95FB-B07B138D930E}"/>
+          <p:cNvPr id="5" name="Picture 2">
+            <a:extLst>
+              <a:ext uri="{FF2B5EF4-FFF2-40B4-BE49-F238E27FC236}">
+                <a16:creationId xmlns:a16="http://schemas.microsoft.com/office/drawing/2014/main" id="{89BF3388-A536-41AE-8802-0A577EE5646D}"/>
               </a:ext>
             </a:extLst>
           </p:cNvPr>
@@ -4392,8 +4401,8 @@
         </p:blipFill>
         <p:spPr bwMode="auto">
           <a:xfrm>
-            <a:off x="4986328" y="809468"/>
-            <a:ext cx="7086258" cy="4871803"/>
+            <a:off x="5096656" y="854439"/>
+            <a:ext cx="6255555" cy="5306517"/>
           </a:xfrm>
           <a:prstGeom prst="rect">
             <a:avLst/>
@@ -4423,2872 +4432,6 @@
 </p:sld>
 </file>
 
-<file path=ppt/slides/slide6.xml><?xml version="1.0" encoding="utf-8"?>
-<p:sld xmlns:a="http://schemas.openxmlformats.org/drawingml/2006/main" xmlns:r="http://schemas.openxmlformats.org/officeDocument/2006/relationships" xmlns:p="http://schemas.openxmlformats.org/presentationml/2006/main">
-  <p:cSld>
-    <p:spTree>
-      <p:nvGrpSpPr>
-        <p:cNvPr id="1" name=""/>
-        <p:cNvGrpSpPr/>
-        <p:nvPr/>
-      </p:nvGrpSpPr>
-      <p:grpSpPr>
-        <a:xfrm>
-          <a:off x="0" y="0"/>
-          <a:ext cx="0" cy="0"/>
-          <a:chOff x="0" y="0"/>
-          <a:chExt cx="0" cy="0"/>
-        </a:xfrm>
-      </p:grpSpPr>
-      <p:sp>
-        <p:nvSpPr>
-          <p:cNvPr id="2" name="Title 1">
-            <a:extLst>
-              <a:ext uri="{FF2B5EF4-FFF2-40B4-BE49-F238E27FC236}">
-                <a16:creationId xmlns:a16="http://schemas.microsoft.com/office/drawing/2014/main" id="{33A9997B-86CE-439F-84BC-1B5119675BD4}"/>
-              </a:ext>
-            </a:extLst>
-          </p:cNvPr>
-          <p:cNvSpPr>
-            <a:spLocks noGrp="1"/>
-          </p:cNvSpPr>
-          <p:nvPr>
-            <p:ph type="title"/>
-          </p:nvPr>
-        </p:nvSpPr>
-        <p:spPr>
-          <a:xfrm>
-            <a:off x="838200" y="365126"/>
-            <a:ext cx="10515600" cy="444343"/>
-          </a:xfrm>
-        </p:spPr>
-        <p:txBody>
-          <a:bodyPr>
-            <a:normAutofit fontScale="90000"/>
-          </a:bodyPr>
-          <a:lstStyle/>
-          <a:p>
-            <a:r>
-              <a:rPr lang="en-US" dirty="0"/>
-              <a:t>Summation of test data:</a:t>
-            </a:r>
-          </a:p>
-        </p:txBody>
-      </p:sp>
-      <p:graphicFrame>
-        <p:nvGraphicFramePr>
-          <p:cNvPr id="4" name="Content Placeholder 3">
-            <a:extLst>
-              <a:ext uri="{FF2B5EF4-FFF2-40B4-BE49-F238E27FC236}">
-                <a16:creationId xmlns:a16="http://schemas.microsoft.com/office/drawing/2014/main" id="{00483AC7-68E3-4660-8880-FC4839CD9175}"/>
-              </a:ext>
-            </a:extLst>
-          </p:cNvPr>
-          <p:cNvGraphicFramePr>
-            <a:graphicFrameLocks noGrp="1"/>
-          </p:cNvGraphicFramePr>
-          <p:nvPr>
-            <p:ph idx="1"/>
-            <p:extLst>
-              <p:ext uri="{D42A27DB-BD31-4B8C-83A1-F6EECF244321}">
-                <p14:modId xmlns:p14="http://schemas.microsoft.com/office/powerpoint/2010/main" val="2228558009"/>
-              </p:ext>
-            </p:extLst>
-          </p:nvPr>
-        </p:nvGraphicFramePr>
-        <p:xfrm>
-          <a:off x="838200" y="914400"/>
-          <a:ext cx="10515600" cy="5831188"/>
-        </p:xfrm>
-        <a:graphic>
-          <a:graphicData uri="http://schemas.openxmlformats.org/drawingml/2006/table">
-            <a:tbl>
-              <a:tblPr/>
-              <a:tblGrid>
-                <a:gridCol w="2628900">
-                  <a:extLst>
-                    <a:ext uri="{9D8B030D-6E8A-4147-A177-3AD203B41FA5}">
-                      <a16:colId xmlns:a16="http://schemas.microsoft.com/office/drawing/2014/main" val="2045261113"/>
-                    </a:ext>
-                  </a:extLst>
-                </a:gridCol>
-                <a:gridCol w="2628900">
-                  <a:extLst>
-                    <a:ext uri="{9D8B030D-6E8A-4147-A177-3AD203B41FA5}">
-                      <a16:colId xmlns:a16="http://schemas.microsoft.com/office/drawing/2014/main" val="3967737635"/>
-                    </a:ext>
-                  </a:extLst>
-                </a:gridCol>
-                <a:gridCol w="2628900">
-                  <a:extLst>
-                    <a:ext uri="{9D8B030D-6E8A-4147-A177-3AD203B41FA5}">
-                      <a16:colId xmlns:a16="http://schemas.microsoft.com/office/drawing/2014/main" val="762500004"/>
-                    </a:ext>
-                  </a:extLst>
-                </a:gridCol>
-                <a:gridCol w="2628900">
-                  <a:extLst>
-                    <a:ext uri="{9D8B030D-6E8A-4147-A177-3AD203B41FA5}">
-                      <a16:colId xmlns:a16="http://schemas.microsoft.com/office/drawing/2014/main" val="3446889540"/>
-                    </a:ext>
-                  </a:extLst>
-                </a:gridCol>
-              </a:tblGrid>
-              <a:tr h="265054">
-                <a:tc>
-                  <a:txBody>
-                    <a:bodyPr/>
-                    <a:lstStyle/>
-                    <a:p>
-                      <a:pPr algn="r" fontAlgn="ctr"/>
-                      <a:endParaRPr lang="en-US" sz="1000" b="1">
-                        <a:effectLst/>
-                      </a:endParaRPr>
-                    </a:p>
-                  </a:txBody>
-                  <a:tcPr marL="49447" marR="49447" marT="24724" marB="24724" anchor="ctr">
-                    <a:lnL>
-                      <a:noFill/>
-                    </a:lnL>
-                    <a:lnR>
-                      <a:noFill/>
-                    </a:lnR>
-                    <a:lnT>
-                      <a:noFill/>
-                    </a:lnT>
-                    <a:lnB>
-                      <a:noFill/>
-                    </a:lnB>
-                    <a:solidFill>
-                      <a:srgbClr val="FFFFFF"/>
-                    </a:solidFill>
-                  </a:tcPr>
-                </a:tc>
-                <a:tc>
-                  <a:txBody>
-                    <a:bodyPr/>
-                    <a:lstStyle/>
-                    <a:p>
-                      <a:pPr algn="r" fontAlgn="ctr"/>
-                      <a:endParaRPr lang="en-US" sz="1000" b="1">
-                        <a:effectLst/>
-                      </a:endParaRPr>
-                    </a:p>
-                  </a:txBody>
-                  <a:tcPr marL="49447" marR="49447" marT="24724" marB="24724" anchor="ctr">
-                    <a:lnL>
-                      <a:noFill/>
-                    </a:lnL>
-                    <a:lnR>
-                      <a:noFill/>
-                    </a:lnR>
-                    <a:lnT>
-                      <a:noFill/>
-                    </a:lnT>
-                    <a:lnB>
-                      <a:noFill/>
-                    </a:lnB>
-                    <a:solidFill>
-                      <a:srgbClr val="FFFFFF"/>
-                    </a:solidFill>
-                  </a:tcPr>
-                </a:tc>
-                <a:tc>
-                  <a:txBody>
-                    <a:bodyPr/>
-                    <a:lstStyle/>
-                    <a:p>
-                      <a:pPr algn="r" fontAlgn="ctr"/>
-                      <a:r>
-                        <a:rPr lang="en-US" sz="1000" b="1">
-                          <a:effectLst/>
-                        </a:rPr>
-                        <a:t>cases</a:t>
-                      </a:r>
-                    </a:p>
-                  </a:txBody>
-                  <a:tcPr marL="49447" marR="49447" marT="24724" marB="24724" anchor="ctr">
-                    <a:lnL>
-                      <a:noFill/>
-                    </a:lnL>
-                    <a:lnR>
-                      <a:noFill/>
-                    </a:lnR>
-                    <a:lnT>
-                      <a:noFill/>
-                    </a:lnT>
-                    <a:lnB>
-                      <a:noFill/>
-                    </a:lnB>
-                    <a:solidFill>
-                      <a:srgbClr val="FFFFFF"/>
-                    </a:solidFill>
-                  </a:tcPr>
-                </a:tc>
-                <a:tc>
-                  <a:txBody>
-                    <a:bodyPr/>
-                    <a:lstStyle/>
-                    <a:p>
-                      <a:pPr algn="r" fontAlgn="ctr"/>
-                      <a:r>
-                        <a:rPr lang="en-US" sz="1000" b="1">
-                          <a:effectLst/>
-                        </a:rPr>
-                        <a:t>deaths</a:t>
-                      </a:r>
-                    </a:p>
-                  </a:txBody>
-                  <a:tcPr marL="49447" marR="49447" marT="24724" marB="24724" anchor="ctr">
-                    <a:lnL>
-                      <a:noFill/>
-                    </a:lnL>
-                    <a:lnR>
-                      <a:noFill/>
-                    </a:lnR>
-                    <a:lnT>
-                      <a:noFill/>
-                    </a:lnT>
-                    <a:lnB>
-                      <a:noFill/>
-                    </a:lnB>
-                    <a:solidFill>
-                      <a:srgbClr val="FFFFFF"/>
-                    </a:solidFill>
-                  </a:tcPr>
-                </a:tc>
-                <a:extLst>
-                  <a:ext uri="{0D108BD9-81ED-4DB2-BD59-A6C34878D82A}">
-                    <a16:rowId xmlns:a16="http://schemas.microsoft.com/office/drawing/2014/main" val="3248131087"/>
-                  </a:ext>
-                </a:extLst>
-              </a:tr>
-              <a:tr h="265054">
-                <a:tc>
-                  <a:txBody>
-                    <a:bodyPr/>
-                    <a:lstStyle/>
-                    <a:p>
-                      <a:pPr algn="r" fontAlgn="ctr"/>
-                      <a:r>
-                        <a:rPr lang="en-US" sz="1000" b="1">
-                          <a:effectLst/>
-                        </a:rPr>
-                        <a:t>countriesAndTerritories</a:t>
-                      </a:r>
-                    </a:p>
-                  </a:txBody>
-                  <a:tcPr marL="49447" marR="49447" marT="24724" marB="24724" anchor="ctr">
-                    <a:lnL>
-                      <a:noFill/>
-                    </a:lnL>
-                    <a:lnR>
-                      <a:noFill/>
-                    </a:lnR>
-                    <a:lnT>
-                      <a:noFill/>
-                    </a:lnT>
-                    <a:lnB>
-                      <a:noFill/>
-                    </a:lnB>
-                    <a:solidFill>
-                      <a:srgbClr val="FFFFFF"/>
-                    </a:solidFill>
-                  </a:tcPr>
-                </a:tc>
-                <a:tc>
-                  <a:txBody>
-                    <a:bodyPr/>
-                    <a:lstStyle/>
-                    <a:p>
-                      <a:pPr algn="r" fontAlgn="ctr"/>
-                      <a:r>
-                        <a:rPr lang="en-US" sz="1000" b="1">
-                          <a:effectLst/>
-                        </a:rPr>
-                        <a:t>Lockdown</a:t>
-                      </a:r>
-                    </a:p>
-                  </a:txBody>
-                  <a:tcPr marL="49447" marR="49447" marT="24724" marB="24724" anchor="ctr">
-                    <a:lnL>
-                      <a:noFill/>
-                    </a:lnL>
-                    <a:lnR>
-                      <a:noFill/>
-                    </a:lnR>
-                    <a:lnT>
-                      <a:noFill/>
-                    </a:lnT>
-                    <a:lnB>
-                      <a:noFill/>
-                    </a:lnB>
-                    <a:solidFill>
-                      <a:srgbClr val="FFFFFF"/>
-                    </a:solidFill>
-                  </a:tcPr>
-                </a:tc>
-                <a:tc>
-                  <a:txBody>
-                    <a:bodyPr/>
-                    <a:lstStyle/>
-                    <a:p>
-                      <a:pPr algn="r" fontAlgn="ctr"/>
-                      <a:endParaRPr lang="en-US" sz="1000" b="1">
-                        <a:effectLst/>
-                      </a:endParaRPr>
-                    </a:p>
-                  </a:txBody>
-                  <a:tcPr marL="49447" marR="49447" marT="24724" marB="24724" anchor="ctr">
-                    <a:lnL>
-                      <a:noFill/>
-                    </a:lnL>
-                    <a:lnR>
-                      <a:noFill/>
-                    </a:lnR>
-                    <a:lnT>
-                      <a:noFill/>
-                    </a:lnT>
-                    <a:lnB>
-                      <a:noFill/>
-                    </a:lnB>
-                    <a:solidFill>
-                      <a:srgbClr val="FFFFFF"/>
-                    </a:solidFill>
-                  </a:tcPr>
-                </a:tc>
-                <a:tc>
-                  <a:txBody>
-                    <a:bodyPr/>
-                    <a:lstStyle/>
-                    <a:p>
-                      <a:pPr algn="r" fontAlgn="ctr"/>
-                      <a:endParaRPr lang="en-US" sz="1000" b="1">
-                        <a:effectLst/>
-                      </a:endParaRPr>
-                    </a:p>
-                  </a:txBody>
-                  <a:tcPr marL="49447" marR="49447" marT="24724" marB="24724" anchor="ctr">
-                    <a:lnL>
-                      <a:noFill/>
-                    </a:lnL>
-                    <a:lnR>
-                      <a:noFill/>
-                    </a:lnR>
-                    <a:lnT>
-                      <a:noFill/>
-                    </a:lnT>
-                    <a:lnB>
-                      <a:noFill/>
-                    </a:lnB>
-                    <a:solidFill>
-                      <a:srgbClr val="FFFFFF"/>
-                    </a:solidFill>
-                  </a:tcPr>
-                </a:tc>
-                <a:extLst>
-                  <a:ext uri="{0D108BD9-81ED-4DB2-BD59-A6C34878D82A}">
-                    <a16:rowId xmlns:a16="http://schemas.microsoft.com/office/drawing/2014/main" val="3011441453"/>
-                  </a:ext>
-                </a:extLst>
-              </a:tr>
-              <a:tr h="265054">
-                <a:tc rowSpan="2">
-                  <a:txBody>
-                    <a:bodyPr/>
-                    <a:lstStyle/>
-                    <a:p>
-                      <a:pPr algn="r" fontAlgn="t"/>
-                      <a:r>
-                        <a:rPr lang="en-US" sz="1000" b="1">
-                          <a:effectLst/>
-                        </a:rPr>
-                        <a:t>Australia</a:t>
-                      </a:r>
-                    </a:p>
-                  </a:txBody>
-                  <a:tcPr marL="49447" marR="49447" marT="24724" marB="24724">
-                    <a:lnL>
-                      <a:noFill/>
-                    </a:lnL>
-                    <a:lnR>
-                      <a:noFill/>
-                    </a:lnR>
-                    <a:lnT>
-                      <a:noFill/>
-                    </a:lnT>
-                    <a:lnB>
-                      <a:noFill/>
-                    </a:lnB>
-                    <a:solidFill>
-                      <a:srgbClr val="F5F5F5"/>
-                    </a:solidFill>
-                  </a:tcPr>
-                </a:tc>
-                <a:tc>
-                  <a:txBody>
-                    <a:bodyPr/>
-                    <a:lstStyle/>
-                    <a:p>
-                      <a:pPr algn="r" fontAlgn="t"/>
-                      <a:r>
-                        <a:rPr lang="en-US" sz="1000" b="1">
-                          <a:effectLst/>
-                        </a:rPr>
-                        <a:t>False</a:t>
-                      </a:r>
-                    </a:p>
-                  </a:txBody>
-                  <a:tcPr marL="49447" marR="49447" marT="24724" marB="24724">
-                    <a:lnL>
-                      <a:noFill/>
-                    </a:lnL>
-                    <a:lnR>
-                      <a:noFill/>
-                    </a:lnR>
-                    <a:lnT>
-                      <a:noFill/>
-                    </a:lnT>
-                    <a:lnB>
-                      <a:noFill/>
-                    </a:lnB>
-                    <a:solidFill>
-                      <a:srgbClr val="F5F5F5"/>
-                    </a:solidFill>
-                  </a:tcPr>
-                </a:tc>
-                <a:tc>
-                  <a:txBody>
-                    <a:bodyPr/>
-                    <a:lstStyle/>
-                    <a:p>
-                      <a:pPr algn="r" fontAlgn="ctr"/>
-                      <a:r>
-                        <a:rPr lang="en-US" sz="1000">
-                          <a:effectLst/>
-                        </a:rPr>
-                        <a:t>2457</a:t>
-                      </a:r>
-                    </a:p>
-                  </a:txBody>
-                  <a:tcPr marL="49447" marR="49447" marT="24724" marB="24724" anchor="ctr">
-                    <a:lnL>
-                      <a:noFill/>
-                    </a:lnL>
-                    <a:lnR>
-                      <a:noFill/>
-                    </a:lnR>
-                    <a:lnT>
-                      <a:noFill/>
-                    </a:lnT>
-                    <a:lnB>
-                      <a:noFill/>
-                    </a:lnB>
-                    <a:solidFill>
-                      <a:srgbClr val="F5F5F5"/>
-                    </a:solidFill>
-                  </a:tcPr>
-                </a:tc>
-                <a:tc>
-                  <a:txBody>
-                    <a:bodyPr/>
-                    <a:lstStyle/>
-                    <a:p>
-                      <a:pPr algn="r" fontAlgn="ctr"/>
-                      <a:r>
-                        <a:rPr lang="en-US" sz="1000">
-                          <a:effectLst/>
-                        </a:rPr>
-                        <a:t>7</a:t>
-                      </a:r>
-                    </a:p>
-                  </a:txBody>
-                  <a:tcPr marL="49447" marR="49447" marT="24724" marB="24724" anchor="ctr">
-                    <a:lnL>
-                      <a:noFill/>
-                    </a:lnL>
-                    <a:lnR>
-                      <a:noFill/>
-                    </a:lnR>
-                    <a:lnT>
-                      <a:noFill/>
-                    </a:lnT>
-                    <a:lnB>
-                      <a:noFill/>
-                    </a:lnB>
-                    <a:solidFill>
-                      <a:srgbClr val="F5F5F5"/>
-                    </a:solidFill>
-                  </a:tcPr>
-                </a:tc>
-                <a:extLst>
-                  <a:ext uri="{0D108BD9-81ED-4DB2-BD59-A6C34878D82A}">
-                    <a16:rowId xmlns:a16="http://schemas.microsoft.com/office/drawing/2014/main" val="1515144979"/>
-                  </a:ext>
-                </a:extLst>
-              </a:tr>
-              <a:tr h="265054">
-                <a:tc vMerge="1">
-                  <a:txBody>
-                    <a:bodyPr/>
-                    <a:lstStyle/>
-                    <a:p>
-                      <a:endParaRPr lang="en-US"/>
-                    </a:p>
-                  </a:txBody>
-                  <a:tcPr/>
-                </a:tc>
-                <a:tc>
-                  <a:txBody>
-                    <a:bodyPr/>
-                    <a:lstStyle/>
-                    <a:p>
-                      <a:pPr algn="r" fontAlgn="ctr"/>
-                      <a:r>
-                        <a:rPr lang="en-US" sz="1000" b="1">
-                          <a:effectLst/>
-                        </a:rPr>
-                        <a:t>True</a:t>
-                      </a:r>
-                    </a:p>
-                  </a:txBody>
-                  <a:tcPr marL="49447" marR="49447" marT="24724" marB="24724" anchor="ctr">
-                    <a:lnL>
-                      <a:noFill/>
-                    </a:lnL>
-                    <a:lnR>
-                      <a:noFill/>
-                    </a:lnR>
-                    <a:lnT>
-                      <a:noFill/>
-                    </a:lnT>
-                    <a:lnB>
-                      <a:noFill/>
-                    </a:lnB>
-                    <a:solidFill>
-                      <a:srgbClr val="FFFFFF"/>
-                    </a:solidFill>
-                  </a:tcPr>
-                </a:tc>
-                <a:tc>
-                  <a:txBody>
-                    <a:bodyPr/>
-                    <a:lstStyle/>
-                    <a:p>
-                      <a:pPr algn="r" fontAlgn="ctr"/>
-                      <a:r>
-                        <a:rPr lang="en-US" sz="1000">
-                          <a:effectLst/>
-                        </a:rPr>
-                        <a:t>1399</a:t>
-                      </a:r>
-                    </a:p>
-                  </a:txBody>
-                  <a:tcPr marL="49447" marR="49447" marT="24724" marB="24724" anchor="ctr">
-                    <a:lnL>
-                      <a:noFill/>
-                    </a:lnL>
-                    <a:lnR>
-                      <a:noFill/>
-                    </a:lnR>
-                    <a:lnT>
-                      <a:noFill/>
-                    </a:lnT>
-                    <a:lnB>
-                      <a:noFill/>
-                    </a:lnB>
-                    <a:solidFill>
-                      <a:srgbClr val="FFFFFF"/>
-                    </a:solidFill>
-                  </a:tcPr>
-                </a:tc>
-                <a:tc>
-                  <a:txBody>
-                    <a:bodyPr/>
-                    <a:lstStyle/>
-                    <a:p>
-                      <a:pPr algn="r" fontAlgn="ctr"/>
-                      <a:r>
-                        <a:rPr lang="en-US" sz="1000">
-                          <a:effectLst/>
-                        </a:rPr>
-                        <a:t>6</a:t>
-                      </a:r>
-                    </a:p>
-                  </a:txBody>
-                  <a:tcPr marL="49447" marR="49447" marT="24724" marB="24724" anchor="ctr">
-                    <a:lnL>
-                      <a:noFill/>
-                    </a:lnL>
-                    <a:lnR>
-                      <a:noFill/>
-                    </a:lnR>
-                    <a:lnT>
-                      <a:noFill/>
-                    </a:lnT>
-                    <a:lnB>
-                      <a:noFill/>
-                    </a:lnB>
-                    <a:solidFill>
-                      <a:srgbClr val="FFFFFF"/>
-                    </a:solidFill>
-                  </a:tcPr>
-                </a:tc>
-                <a:extLst>
-                  <a:ext uri="{0D108BD9-81ED-4DB2-BD59-A6C34878D82A}">
-                    <a16:rowId xmlns:a16="http://schemas.microsoft.com/office/drawing/2014/main" val="13405183"/>
-                  </a:ext>
-                </a:extLst>
-              </a:tr>
-              <a:tr h="265054">
-                <a:tc rowSpan="2">
-                  <a:txBody>
-                    <a:bodyPr/>
-                    <a:lstStyle/>
-                    <a:p>
-                      <a:pPr algn="r" fontAlgn="t"/>
-                      <a:r>
-                        <a:rPr lang="en-US" sz="1000" b="1">
-                          <a:effectLst/>
-                        </a:rPr>
-                        <a:t>Austria</a:t>
-                      </a:r>
-                    </a:p>
-                  </a:txBody>
-                  <a:tcPr marL="49447" marR="49447" marT="24724" marB="24724">
-                    <a:lnL>
-                      <a:noFill/>
-                    </a:lnL>
-                    <a:lnR>
-                      <a:noFill/>
-                    </a:lnR>
-                    <a:lnT>
-                      <a:noFill/>
-                    </a:lnT>
-                    <a:lnB>
-                      <a:noFill/>
-                    </a:lnB>
-                    <a:solidFill>
-                      <a:srgbClr val="F5F5F5"/>
-                    </a:solidFill>
-                  </a:tcPr>
-                </a:tc>
-                <a:tc>
-                  <a:txBody>
-                    <a:bodyPr/>
-                    <a:lstStyle/>
-                    <a:p>
-                      <a:pPr algn="r" fontAlgn="t"/>
-                      <a:r>
-                        <a:rPr lang="en-US" sz="1000" b="1">
-                          <a:effectLst/>
-                        </a:rPr>
-                        <a:t>False</a:t>
-                      </a:r>
-                    </a:p>
-                  </a:txBody>
-                  <a:tcPr marL="49447" marR="49447" marT="24724" marB="24724">
-                    <a:lnL>
-                      <a:noFill/>
-                    </a:lnL>
-                    <a:lnR>
-                      <a:noFill/>
-                    </a:lnR>
-                    <a:lnT>
-                      <a:noFill/>
-                    </a:lnT>
-                    <a:lnB>
-                      <a:noFill/>
-                    </a:lnB>
-                    <a:solidFill>
-                      <a:srgbClr val="F5F5F5"/>
-                    </a:solidFill>
-                  </a:tcPr>
-                </a:tc>
-                <a:tc>
-                  <a:txBody>
-                    <a:bodyPr/>
-                    <a:lstStyle/>
-                    <a:p>
-                      <a:pPr algn="r" fontAlgn="ctr"/>
-                      <a:r>
-                        <a:rPr lang="en-US" sz="1000">
-                          <a:effectLst/>
-                        </a:rPr>
-                        <a:t>1835</a:t>
-                      </a:r>
-                    </a:p>
-                  </a:txBody>
-                  <a:tcPr marL="49447" marR="49447" marT="24724" marB="24724" anchor="ctr">
-                    <a:lnL>
-                      <a:noFill/>
-                    </a:lnL>
-                    <a:lnR>
-                      <a:noFill/>
-                    </a:lnR>
-                    <a:lnT>
-                      <a:noFill/>
-                    </a:lnT>
-                    <a:lnB>
-                      <a:noFill/>
-                    </a:lnB>
-                    <a:solidFill>
-                      <a:srgbClr val="F5F5F5"/>
-                    </a:solidFill>
-                  </a:tcPr>
-                </a:tc>
-                <a:tc>
-                  <a:txBody>
-                    <a:bodyPr/>
-                    <a:lstStyle/>
-                    <a:p>
-                      <a:pPr algn="r" fontAlgn="ctr"/>
-                      <a:r>
-                        <a:rPr lang="en-US" sz="1000">
-                          <a:effectLst/>
-                        </a:rPr>
-                        <a:t>5</a:t>
-                      </a:r>
-                    </a:p>
-                  </a:txBody>
-                  <a:tcPr marL="49447" marR="49447" marT="24724" marB="24724" anchor="ctr">
-                    <a:lnL>
-                      <a:noFill/>
-                    </a:lnL>
-                    <a:lnR>
-                      <a:noFill/>
-                    </a:lnR>
-                    <a:lnT>
-                      <a:noFill/>
-                    </a:lnT>
-                    <a:lnB>
-                      <a:noFill/>
-                    </a:lnB>
-                    <a:solidFill>
-                      <a:srgbClr val="F5F5F5"/>
-                    </a:solidFill>
-                  </a:tcPr>
-                </a:tc>
-                <a:extLst>
-                  <a:ext uri="{0D108BD9-81ED-4DB2-BD59-A6C34878D82A}">
-                    <a16:rowId xmlns:a16="http://schemas.microsoft.com/office/drawing/2014/main" val="1580332470"/>
-                  </a:ext>
-                </a:extLst>
-              </a:tr>
-              <a:tr h="265054">
-                <a:tc vMerge="1">
-                  <a:txBody>
-                    <a:bodyPr/>
-                    <a:lstStyle/>
-                    <a:p>
-                      <a:endParaRPr lang="en-US"/>
-                    </a:p>
-                  </a:txBody>
-                  <a:tcPr/>
-                </a:tc>
-                <a:tc>
-                  <a:txBody>
-                    <a:bodyPr/>
-                    <a:lstStyle/>
-                    <a:p>
-                      <a:pPr algn="r" fontAlgn="ctr"/>
-                      <a:r>
-                        <a:rPr lang="en-US" sz="1000" b="1">
-                          <a:effectLst/>
-                        </a:rPr>
-                        <a:t>True</a:t>
-                      </a:r>
-                    </a:p>
-                  </a:txBody>
-                  <a:tcPr marL="49447" marR="49447" marT="24724" marB="24724" anchor="ctr">
-                    <a:lnL>
-                      <a:noFill/>
-                    </a:lnL>
-                    <a:lnR>
-                      <a:noFill/>
-                    </a:lnR>
-                    <a:lnT>
-                      <a:noFill/>
-                    </a:lnT>
-                    <a:lnB>
-                      <a:noFill/>
-                    </a:lnB>
-                    <a:solidFill>
-                      <a:srgbClr val="FFFFFF"/>
-                    </a:solidFill>
-                  </a:tcPr>
-                </a:tc>
-                <a:tc>
-                  <a:txBody>
-                    <a:bodyPr/>
-                    <a:lstStyle/>
-                    <a:p>
-                      <a:pPr algn="r" fontAlgn="ctr"/>
-                      <a:r>
-                        <a:rPr lang="en-US" sz="1000">
-                          <a:effectLst/>
-                        </a:rPr>
-                        <a:t>4833</a:t>
-                      </a:r>
-                    </a:p>
-                  </a:txBody>
-                  <a:tcPr marL="49447" marR="49447" marT="24724" marB="24724" anchor="ctr">
-                    <a:lnL>
-                      <a:noFill/>
-                    </a:lnL>
-                    <a:lnR>
-                      <a:noFill/>
-                    </a:lnR>
-                    <a:lnT>
-                      <a:noFill/>
-                    </a:lnT>
-                    <a:lnB>
-                      <a:noFill/>
-                    </a:lnB>
-                    <a:solidFill>
-                      <a:srgbClr val="FFFFFF"/>
-                    </a:solidFill>
-                  </a:tcPr>
-                </a:tc>
-                <a:tc>
-                  <a:txBody>
-                    <a:bodyPr/>
-                    <a:lstStyle/>
-                    <a:p>
-                      <a:pPr algn="r" fontAlgn="ctr"/>
-                      <a:r>
-                        <a:rPr lang="en-US" sz="1000">
-                          <a:effectLst/>
-                        </a:rPr>
-                        <a:t>46</a:t>
-                      </a:r>
-                    </a:p>
-                  </a:txBody>
-                  <a:tcPr marL="49447" marR="49447" marT="24724" marB="24724" anchor="ctr">
-                    <a:lnL>
-                      <a:noFill/>
-                    </a:lnL>
-                    <a:lnR>
-                      <a:noFill/>
-                    </a:lnR>
-                    <a:lnT>
-                      <a:noFill/>
-                    </a:lnT>
-                    <a:lnB>
-                      <a:noFill/>
-                    </a:lnB>
-                    <a:solidFill>
-                      <a:srgbClr val="FFFFFF"/>
-                    </a:solidFill>
-                  </a:tcPr>
-                </a:tc>
-                <a:extLst>
-                  <a:ext uri="{0D108BD9-81ED-4DB2-BD59-A6C34878D82A}">
-                    <a16:rowId xmlns:a16="http://schemas.microsoft.com/office/drawing/2014/main" val="994483183"/>
-                  </a:ext>
-                </a:extLst>
-              </a:tr>
-              <a:tr h="265054">
-                <a:tc rowSpan="2">
-                  <a:txBody>
-                    <a:bodyPr/>
-                    <a:lstStyle/>
-                    <a:p>
-                      <a:pPr algn="r" fontAlgn="t"/>
-                      <a:r>
-                        <a:rPr lang="en-US" sz="1000" b="1">
-                          <a:effectLst/>
-                        </a:rPr>
-                        <a:t>Germany</a:t>
-                      </a:r>
-                    </a:p>
-                  </a:txBody>
-                  <a:tcPr marL="49447" marR="49447" marT="24724" marB="24724">
-                    <a:lnL>
-                      <a:noFill/>
-                    </a:lnL>
-                    <a:lnR>
-                      <a:noFill/>
-                    </a:lnR>
-                    <a:lnT>
-                      <a:noFill/>
-                    </a:lnT>
-                    <a:lnB>
-                      <a:noFill/>
-                    </a:lnB>
-                    <a:solidFill>
-                      <a:srgbClr val="F5F5F5"/>
-                    </a:solidFill>
-                  </a:tcPr>
-                </a:tc>
-                <a:tc>
-                  <a:txBody>
-                    <a:bodyPr/>
-                    <a:lstStyle/>
-                    <a:p>
-                      <a:pPr algn="r" fontAlgn="t"/>
-                      <a:r>
-                        <a:rPr lang="en-US" sz="1000" b="1">
-                          <a:effectLst/>
-                        </a:rPr>
-                        <a:t>False</a:t>
-                      </a:r>
-                    </a:p>
-                  </a:txBody>
-                  <a:tcPr marL="49447" marR="49447" marT="24724" marB="24724">
-                    <a:lnL>
-                      <a:noFill/>
-                    </a:lnL>
-                    <a:lnR>
-                      <a:noFill/>
-                    </a:lnR>
-                    <a:lnT>
-                      <a:noFill/>
-                    </a:lnT>
-                    <a:lnB>
-                      <a:noFill/>
-                    </a:lnB>
-                    <a:solidFill>
-                      <a:srgbClr val="F5F5F5"/>
-                    </a:solidFill>
-                  </a:tcPr>
-                </a:tc>
-                <a:tc>
-                  <a:txBody>
-                    <a:bodyPr/>
-                    <a:lstStyle/>
-                    <a:p>
-                      <a:pPr algn="r" fontAlgn="ctr"/>
-                      <a:r>
-                        <a:rPr lang="en-US" sz="1000">
-                          <a:effectLst/>
-                        </a:rPr>
-                        <a:t>28150</a:t>
-                      </a:r>
-                    </a:p>
-                  </a:txBody>
-                  <a:tcPr marL="49447" marR="49447" marT="24724" marB="24724" anchor="ctr">
-                    <a:lnL>
-                      <a:noFill/>
-                    </a:lnL>
-                    <a:lnR>
-                      <a:noFill/>
-                    </a:lnR>
-                    <a:lnT>
-                      <a:noFill/>
-                    </a:lnT>
-                    <a:lnB>
-                      <a:noFill/>
-                    </a:lnB>
-                    <a:solidFill>
-                      <a:srgbClr val="F5F5F5"/>
-                    </a:solidFill>
-                  </a:tcPr>
-                </a:tc>
-                <a:tc>
-                  <a:txBody>
-                    <a:bodyPr/>
-                    <a:lstStyle/>
-                    <a:p>
-                      <a:pPr algn="r" fontAlgn="ctr"/>
-                      <a:r>
-                        <a:rPr lang="en-US" sz="1000">
-                          <a:effectLst/>
-                        </a:rPr>
-                        <a:t>210</a:t>
-                      </a:r>
-                    </a:p>
-                  </a:txBody>
-                  <a:tcPr marL="49447" marR="49447" marT="24724" marB="24724" anchor="ctr">
-                    <a:lnL>
-                      <a:noFill/>
-                    </a:lnL>
-                    <a:lnR>
-                      <a:noFill/>
-                    </a:lnR>
-                    <a:lnT>
-                      <a:noFill/>
-                    </a:lnT>
-                    <a:lnB>
-                      <a:noFill/>
-                    </a:lnB>
-                    <a:solidFill>
-                      <a:srgbClr val="F5F5F5"/>
-                    </a:solidFill>
-                  </a:tcPr>
-                </a:tc>
-                <a:extLst>
-                  <a:ext uri="{0D108BD9-81ED-4DB2-BD59-A6C34878D82A}">
-                    <a16:rowId xmlns:a16="http://schemas.microsoft.com/office/drawing/2014/main" val="1628041434"/>
-                  </a:ext>
-                </a:extLst>
-              </a:tr>
-              <a:tr h="265054">
-                <a:tc vMerge="1">
-                  <a:txBody>
-                    <a:bodyPr/>
-                    <a:lstStyle/>
-                    <a:p>
-                      <a:endParaRPr lang="en-US"/>
-                    </a:p>
-                  </a:txBody>
-                  <a:tcPr/>
-                </a:tc>
-                <a:tc>
-                  <a:txBody>
-                    <a:bodyPr/>
-                    <a:lstStyle/>
-                    <a:p>
-                      <a:pPr algn="r" fontAlgn="ctr"/>
-                      <a:r>
-                        <a:rPr lang="en-US" sz="1000" b="1">
-                          <a:effectLst/>
-                        </a:rPr>
-                        <a:t>True</a:t>
-                      </a:r>
-                    </a:p>
-                  </a:txBody>
-                  <a:tcPr marL="49447" marR="49447" marT="24724" marB="24724" anchor="ctr">
-                    <a:lnL>
-                      <a:noFill/>
-                    </a:lnL>
-                    <a:lnR>
-                      <a:noFill/>
-                    </a:lnR>
-                    <a:lnT>
-                      <a:noFill/>
-                    </a:lnT>
-                    <a:lnB>
-                      <a:noFill/>
-                    </a:lnB>
-                    <a:solidFill>
-                      <a:srgbClr val="FFFFFF"/>
-                    </a:solidFill>
-                  </a:tcPr>
-                </a:tc>
-                <a:tc>
-                  <a:txBody>
-                    <a:bodyPr/>
-                    <a:lstStyle/>
-                    <a:p>
-                      <a:pPr algn="r" fontAlgn="ctr"/>
-                      <a:r>
-                        <a:rPr lang="en-US" sz="1000">
-                          <a:effectLst/>
-                        </a:rPr>
-                        <a:t>19666</a:t>
-                      </a:r>
-                    </a:p>
-                  </a:txBody>
-                  <a:tcPr marL="49447" marR="49447" marT="24724" marB="24724" anchor="ctr">
-                    <a:lnL>
-                      <a:noFill/>
-                    </a:lnL>
-                    <a:lnR>
-                      <a:noFill/>
-                    </a:lnR>
-                    <a:lnT>
-                      <a:noFill/>
-                    </a:lnT>
-                    <a:lnB>
-                      <a:noFill/>
-                    </a:lnB>
-                    <a:solidFill>
-                      <a:srgbClr val="FFFFFF"/>
-                    </a:solidFill>
-                  </a:tcPr>
-                </a:tc>
-                <a:tc>
-                  <a:txBody>
-                    <a:bodyPr/>
-                    <a:lstStyle/>
-                    <a:p>
-                      <a:pPr algn="r" fontAlgn="ctr"/>
-                      <a:r>
-                        <a:rPr lang="en-US" sz="1000">
-                          <a:effectLst/>
-                        </a:rPr>
-                        <a:t>330</a:t>
-                      </a:r>
-                    </a:p>
-                  </a:txBody>
-                  <a:tcPr marL="49447" marR="49447" marT="24724" marB="24724" anchor="ctr">
-                    <a:lnL>
-                      <a:noFill/>
-                    </a:lnL>
-                    <a:lnR>
-                      <a:noFill/>
-                    </a:lnR>
-                    <a:lnT>
-                      <a:noFill/>
-                    </a:lnT>
-                    <a:lnB>
-                      <a:noFill/>
-                    </a:lnB>
-                    <a:solidFill>
-                      <a:srgbClr val="FFFFFF"/>
-                    </a:solidFill>
-                  </a:tcPr>
-                </a:tc>
-                <a:extLst>
-                  <a:ext uri="{0D108BD9-81ED-4DB2-BD59-A6C34878D82A}">
-                    <a16:rowId xmlns:a16="http://schemas.microsoft.com/office/drawing/2014/main" val="2567470882"/>
-                  </a:ext>
-                </a:extLst>
-              </a:tr>
-              <a:tr h="265054">
-                <a:tc rowSpan="2">
-                  <a:txBody>
-                    <a:bodyPr/>
-                    <a:lstStyle/>
-                    <a:p>
-                      <a:pPr algn="r" fontAlgn="t"/>
-                      <a:r>
-                        <a:rPr lang="en-US" sz="1000" b="1">
-                          <a:effectLst/>
-                        </a:rPr>
-                        <a:t>Ireland</a:t>
-                      </a:r>
-                    </a:p>
-                  </a:txBody>
-                  <a:tcPr marL="49447" marR="49447" marT="24724" marB="24724">
-                    <a:lnL>
-                      <a:noFill/>
-                    </a:lnL>
-                    <a:lnR>
-                      <a:noFill/>
-                    </a:lnR>
-                    <a:lnT>
-                      <a:noFill/>
-                    </a:lnT>
-                    <a:lnB>
-                      <a:noFill/>
-                    </a:lnB>
-                    <a:solidFill>
-                      <a:srgbClr val="F5F5F5"/>
-                    </a:solidFill>
-                  </a:tcPr>
-                </a:tc>
-                <a:tc>
-                  <a:txBody>
-                    <a:bodyPr/>
-                    <a:lstStyle/>
-                    <a:p>
-                      <a:pPr algn="r" fontAlgn="t"/>
-                      <a:r>
-                        <a:rPr lang="en-US" sz="1000" b="1">
-                          <a:effectLst/>
-                        </a:rPr>
-                        <a:t>False</a:t>
-                      </a:r>
-                    </a:p>
-                  </a:txBody>
-                  <a:tcPr marL="49447" marR="49447" marT="24724" marB="24724">
-                    <a:lnL>
-                      <a:noFill/>
-                    </a:lnL>
-                    <a:lnR>
-                      <a:noFill/>
-                    </a:lnR>
-                    <a:lnT>
-                      <a:noFill/>
-                    </a:lnT>
-                    <a:lnB>
-                      <a:noFill/>
-                    </a:lnB>
-                    <a:solidFill>
-                      <a:srgbClr val="F5F5F5"/>
-                    </a:solidFill>
-                  </a:tcPr>
-                </a:tc>
-                <a:tc>
-                  <a:txBody>
-                    <a:bodyPr/>
-                    <a:lstStyle/>
-                    <a:p>
-                      <a:pPr algn="r" fontAlgn="ctr"/>
-                      <a:r>
-                        <a:rPr lang="en-US" sz="1000">
-                          <a:effectLst/>
-                        </a:rPr>
-                        <a:t>126</a:t>
-                      </a:r>
-                    </a:p>
-                  </a:txBody>
-                  <a:tcPr marL="49447" marR="49447" marT="24724" marB="24724" anchor="ctr">
-                    <a:lnL>
-                      <a:noFill/>
-                    </a:lnL>
-                    <a:lnR>
-                      <a:noFill/>
-                    </a:lnR>
-                    <a:lnT>
-                      <a:noFill/>
-                    </a:lnT>
-                    <a:lnB>
-                      <a:noFill/>
-                    </a:lnB>
-                    <a:solidFill>
-                      <a:srgbClr val="F5F5F5"/>
-                    </a:solidFill>
-                  </a:tcPr>
-                </a:tc>
-                <a:tc>
-                  <a:txBody>
-                    <a:bodyPr/>
-                    <a:lstStyle/>
-                    <a:p>
-                      <a:pPr algn="r" fontAlgn="ctr"/>
-                      <a:r>
-                        <a:rPr lang="en-US" sz="1000">
-                          <a:effectLst/>
-                        </a:rPr>
-                        <a:t>1</a:t>
-                      </a:r>
-                    </a:p>
-                  </a:txBody>
-                  <a:tcPr marL="49447" marR="49447" marT="24724" marB="24724" anchor="ctr">
-                    <a:lnL>
-                      <a:noFill/>
-                    </a:lnL>
-                    <a:lnR>
-                      <a:noFill/>
-                    </a:lnR>
-                    <a:lnT>
-                      <a:noFill/>
-                    </a:lnT>
-                    <a:lnB>
-                      <a:noFill/>
-                    </a:lnB>
-                    <a:solidFill>
-                      <a:srgbClr val="F5F5F5"/>
-                    </a:solidFill>
-                  </a:tcPr>
-                </a:tc>
-                <a:extLst>
-                  <a:ext uri="{0D108BD9-81ED-4DB2-BD59-A6C34878D82A}">
-                    <a16:rowId xmlns:a16="http://schemas.microsoft.com/office/drawing/2014/main" val="1011655343"/>
-                  </a:ext>
-                </a:extLst>
-              </a:tr>
-              <a:tr h="265054">
-                <a:tc vMerge="1">
-                  <a:txBody>
-                    <a:bodyPr/>
-                    <a:lstStyle/>
-                    <a:p>
-                      <a:endParaRPr lang="en-US"/>
-                    </a:p>
-                  </a:txBody>
-                  <a:tcPr/>
-                </a:tc>
-                <a:tc>
-                  <a:txBody>
-                    <a:bodyPr/>
-                    <a:lstStyle/>
-                    <a:p>
-                      <a:pPr algn="r" fontAlgn="ctr"/>
-                      <a:r>
-                        <a:rPr lang="en-US" sz="1000" b="1">
-                          <a:effectLst/>
-                        </a:rPr>
-                        <a:t>True</a:t>
-                      </a:r>
-                    </a:p>
-                  </a:txBody>
-                  <a:tcPr marL="49447" marR="49447" marT="24724" marB="24724" anchor="ctr">
-                    <a:lnL>
-                      <a:noFill/>
-                    </a:lnL>
-                    <a:lnR>
-                      <a:noFill/>
-                    </a:lnR>
-                    <a:lnT>
-                      <a:noFill/>
-                    </a:lnT>
-                    <a:lnB>
-                      <a:noFill/>
-                    </a:lnB>
-                    <a:solidFill>
-                      <a:srgbClr val="FFFFFF"/>
-                    </a:solidFill>
-                  </a:tcPr>
-                </a:tc>
-                <a:tc>
-                  <a:txBody>
-                    <a:bodyPr/>
-                    <a:lstStyle/>
-                    <a:p>
-                      <a:pPr algn="r" fontAlgn="ctr"/>
-                      <a:r>
-                        <a:rPr lang="en-US" sz="1000">
-                          <a:effectLst/>
-                        </a:rPr>
-                        <a:t>737</a:t>
-                      </a:r>
-                    </a:p>
-                  </a:txBody>
-                  <a:tcPr marL="49447" marR="49447" marT="24724" marB="24724" anchor="ctr">
-                    <a:lnL>
-                      <a:noFill/>
-                    </a:lnL>
-                    <a:lnR>
-                      <a:noFill/>
-                    </a:lnR>
-                    <a:lnT>
-                      <a:noFill/>
-                    </a:lnT>
-                    <a:lnB>
-                      <a:noFill/>
-                    </a:lnB>
-                    <a:solidFill>
-                      <a:srgbClr val="FFFFFF"/>
-                    </a:solidFill>
-                  </a:tcPr>
-                </a:tc>
-                <a:tc>
-                  <a:txBody>
-                    <a:bodyPr/>
-                    <a:lstStyle/>
-                    <a:p>
-                      <a:pPr algn="r" fontAlgn="ctr"/>
-                      <a:r>
-                        <a:rPr lang="en-US" sz="1000">
-                          <a:effectLst/>
-                        </a:rPr>
-                        <a:t>2</a:t>
-                      </a:r>
-                    </a:p>
-                  </a:txBody>
-                  <a:tcPr marL="49447" marR="49447" marT="24724" marB="24724" anchor="ctr">
-                    <a:lnL>
-                      <a:noFill/>
-                    </a:lnL>
-                    <a:lnR>
-                      <a:noFill/>
-                    </a:lnR>
-                    <a:lnT>
-                      <a:noFill/>
-                    </a:lnT>
-                    <a:lnB>
-                      <a:noFill/>
-                    </a:lnB>
-                    <a:solidFill>
-                      <a:srgbClr val="FFFFFF"/>
-                    </a:solidFill>
-                  </a:tcPr>
-                </a:tc>
-                <a:extLst>
-                  <a:ext uri="{0D108BD9-81ED-4DB2-BD59-A6C34878D82A}">
-                    <a16:rowId xmlns:a16="http://schemas.microsoft.com/office/drawing/2014/main" val="3986447514"/>
-                  </a:ext>
-                </a:extLst>
-              </a:tr>
-              <a:tr h="265054">
-                <a:tc rowSpan="2">
-                  <a:txBody>
-                    <a:bodyPr/>
-                    <a:lstStyle/>
-                    <a:p>
-                      <a:pPr algn="r" fontAlgn="t"/>
-                      <a:r>
-                        <a:rPr lang="en-US" sz="1000" b="1">
-                          <a:effectLst/>
-                        </a:rPr>
-                        <a:t>Italy</a:t>
-                      </a:r>
-                    </a:p>
-                  </a:txBody>
-                  <a:tcPr marL="49447" marR="49447" marT="24724" marB="24724">
-                    <a:lnL>
-                      <a:noFill/>
-                    </a:lnL>
-                    <a:lnR>
-                      <a:noFill/>
-                    </a:lnR>
-                    <a:lnT>
-                      <a:noFill/>
-                    </a:lnT>
-                    <a:lnB>
-                      <a:noFill/>
-                    </a:lnB>
-                    <a:solidFill>
-                      <a:srgbClr val="F5F5F5"/>
-                    </a:solidFill>
-                  </a:tcPr>
-                </a:tc>
-                <a:tc>
-                  <a:txBody>
-                    <a:bodyPr/>
-                    <a:lstStyle/>
-                    <a:p>
-                      <a:pPr algn="r" fontAlgn="t"/>
-                      <a:r>
-                        <a:rPr lang="en-US" sz="1000" b="1">
-                          <a:effectLst/>
-                        </a:rPr>
-                        <a:t>False</a:t>
-                      </a:r>
-                    </a:p>
-                  </a:txBody>
-                  <a:tcPr marL="49447" marR="49447" marT="24724" marB="24724">
-                    <a:lnL>
-                      <a:noFill/>
-                    </a:lnL>
-                    <a:lnR>
-                      <a:noFill/>
-                    </a:lnR>
-                    <a:lnT>
-                      <a:noFill/>
-                    </a:lnT>
-                    <a:lnB>
-                      <a:noFill/>
-                    </a:lnB>
-                    <a:solidFill>
-                      <a:srgbClr val="F5F5F5"/>
-                    </a:solidFill>
-                  </a:tcPr>
-                </a:tc>
-                <a:tc>
-                  <a:txBody>
-                    <a:bodyPr/>
-                    <a:lstStyle/>
-                    <a:p>
-                      <a:pPr algn="r" fontAlgn="ctr"/>
-                      <a:r>
-                        <a:rPr lang="en-US" sz="1000">
-                          <a:effectLst/>
-                        </a:rPr>
-                        <a:t>2651</a:t>
-                      </a:r>
-                    </a:p>
-                  </a:txBody>
-                  <a:tcPr marL="49447" marR="49447" marT="24724" marB="24724" anchor="ctr">
-                    <a:lnL>
-                      <a:noFill/>
-                    </a:lnL>
-                    <a:lnR>
-                      <a:noFill/>
-                    </a:lnR>
-                    <a:lnT>
-                      <a:noFill/>
-                    </a:lnT>
-                    <a:lnB>
-                      <a:noFill/>
-                    </a:lnB>
-                    <a:solidFill>
-                      <a:srgbClr val="F5F5F5"/>
-                    </a:solidFill>
-                  </a:tcPr>
-                </a:tc>
-                <a:tc>
-                  <a:txBody>
-                    <a:bodyPr/>
-                    <a:lstStyle/>
-                    <a:p>
-                      <a:pPr algn="r" fontAlgn="ctr"/>
-                      <a:r>
-                        <a:rPr lang="en-US" sz="1000">
-                          <a:effectLst/>
-                        </a:rPr>
-                        <a:t>189</a:t>
-                      </a:r>
-                    </a:p>
-                  </a:txBody>
-                  <a:tcPr marL="49447" marR="49447" marT="24724" marB="24724" anchor="ctr">
-                    <a:lnL>
-                      <a:noFill/>
-                    </a:lnL>
-                    <a:lnR>
-                      <a:noFill/>
-                    </a:lnR>
-                    <a:lnT>
-                      <a:noFill/>
-                    </a:lnT>
-                    <a:lnB>
-                      <a:noFill/>
-                    </a:lnB>
-                    <a:solidFill>
-                      <a:srgbClr val="F5F5F5"/>
-                    </a:solidFill>
-                  </a:tcPr>
-                </a:tc>
-                <a:extLst>
-                  <a:ext uri="{0D108BD9-81ED-4DB2-BD59-A6C34878D82A}">
-                    <a16:rowId xmlns:a16="http://schemas.microsoft.com/office/drawing/2014/main" val="1080416955"/>
-                  </a:ext>
-                </a:extLst>
-              </a:tr>
-              <a:tr h="265054">
-                <a:tc vMerge="1">
-                  <a:txBody>
-                    <a:bodyPr/>
-                    <a:lstStyle/>
-                    <a:p>
-                      <a:endParaRPr lang="en-US"/>
-                    </a:p>
-                  </a:txBody>
-                  <a:tcPr/>
-                </a:tc>
-                <a:tc>
-                  <a:txBody>
-                    <a:bodyPr/>
-                    <a:lstStyle/>
-                    <a:p>
-                      <a:pPr algn="r" fontAlgn="ctr"/>
-                      <a:r>
-                        <a:rPr lang="en-US" sz="1000" b="1">
-                          <a:effectLst/>
-                        </a:rPr>
-                        <a:t>True</a:t>
-                      </a:r>
-                    </a:p>
-                  </a:txBody>
-                  <a:tcPr marL="49447" marR="49447" marT="24724" marB="24724" anchor="ctr">
-                    <a:lnL>
-                      <a:noFill/>
-                    </a:lnL>
-                    <a:lnR>
-                      <a:noFill/>
-                    </a:lnR>
-                    <a:lnT>
-                      <a:noFill/>
-                    </a:lnT>
-                    <a:lnB>
-                      <a:noFill/>
-                    </a:lnB>
-                    <a:solidFill>
-                      <a:srgbClr val="FFFFFF"/>
-                    </a:solidFill>
-                  </a:tcPr>
-                </a:tc>
-                <a:tc>
-                  <a:txBody>
-                    <a:bodyPr/>
-                    <a:lstStyle/>
-                    <a:p>
-                      <a:pPr algn="r" fontAlgn="ctr"/>
-                      <a:r>
-                        <a:rPr lang="en-US" sz="1000">
-                          <a:effectLst/>
-                        </a:rPr>
-                        <a:t>25922</a:t>
-                      </a:r>
-                    </a:p>
-                  </a:txBody>
-                  <a:tcPr marL="49447" marR="49447" marT="24724" marB="24724" anchor="ctr">
-                    <a:lnL>
-                      <a:noFill/>
-                    </a:lnL>
-                    <a:lnR>
-                      <a:noFill/>
-                    </a:lnR>
-                    <a:lnT>
-                      <a:noFill/>
-                    </a:lnT>
-                    <a:lnB>
-                      <a:noFill/>
-                    </a:lnB>
-                    <a:solidFill>
-                      <a:srgbClr val="FFFFFF"/>
-                    </a:solidFill>
-                  </a:tcPr>
-                </a:tc>
-                <a:tc>
-                  <a:txBody>
-                    <a:bodyPr/>
-                    <a:lstStyle/>
-                    <a:p>
-                      <a:pPr algn="r" fontAlgn="ctr"/>
-                      <a:r>
-                        <a:rPr lang="en-US" sz="1000">
-                          <a:effectLst/>
-                        </a:rPr>
-                        <a:t>2391</a:t>
-                      </a:r>
-                    </a:p>
-                  </a:txBody>
-                  <a:tcPr marL="49447" marR="49447" marT="24724" marB="24724" anchor="ctr">
-                    <a:lnL>
-                      <a:noFill/>
-                    </a:lnL>
-                    <a:lnR>
-                      <a:noFill/>
-                    </a:lnR>
-                    <a:lnT>
-                      <a:noFill/>
-                    </a:lnT>
-                    <a:lnB>
-                      <a:noFill/>
-                    </a:lnB>
-                    <a:solidFill>
-                      <a:srgbClr val="FFFFFF"/>
-                    </a:solidFill>
-                  </a:tcPr>
-                </a:tc>
-                <a:extLst>
-                  <a:ext uri="{0D108BD9-81ED-4DB2-BD59-A6C34878D82A}">
-                    <a16:rowId xmlns:a16="http://schemas.microsoft.com/office/drawing/2014/main" val="1316880033"/>
-                  </a:ext>
-                </a:extLst>
-              </a:tr>
-              <a:tr h="265054">
-                <a:tc rowSpan="2">
-                  <a:txBody>
-                    <a:bodyPr/>
-                    <a:lstStyle/>
-                    <a:p>
-                      <a:pPr algn="r" fontAlgn="t"/>
-                      <a:r>
-                        <a:rPr lang="en-US" sz="1000" b="1">
-                          <a:effectLst/>
-                        </a:rPr>
-                        <a:t>Netherlands</a:t>
-                      </a:r>
-                    </a:p>
-                  </a:txBody>
-                  <a:tcPr marL="49447" marR="49447" marT="24724" marB="24724">
-                    <a:lnL>
-                      <a:noFill/>
-                    </a:lnL>
-                    <a:lnR>
-                      <a:noFill/>
-                    </a:lnR>
-                    <a:lnT>
-                      <a:noFill/>
-                    </a:lnT>
-                    <a:lnB>
-                      <a:noFill/>
-                    </a:lnB>
-                    <a:solidFill>
-                      <a:srgbClr val="F5F5F5"/>
-                    </a:solidFill>
-                  </a:tcPr>
-                </a:tc>
-                <a:tc>
-                  <a:txBody>
-                    <a:bodyPr/>
-                    <a:lstStyle/>
-                    <a:p>
-                      <a:pPr algn="r" fontAlgn="t"/>
-                      <a:r>
-                        <a:rPr lang="en-US" sz="1000" b="1">
-                          <a:effectLst/>
-                        </a:rPr>
-                        <a:t>False</a:t>
-                      </a:r>
-                    </a:p>
-                  </a:txBody>
-                  <a:tcPr marL="49447" marR="49447" marT="24724" marB="24724">
-                    <a:lnL>
-                      <a:noFill/>
-                    </a:lnL>
-                    <a:lnR>
-                      <a:noFill/>
-                    </a:lnR>
-                    <a:lnT>
-                      <a:noFill/>
-                    </a:lnT>
-                    <a:lnB>
-                      <a:noFill/>
-                    </a:lnB>
-                    <a:solidFill>
-                      <a:srgbClr val="F5F5F5"/>
-                    </a:solidFill>
-                  </a:tcPr>
-                </a:tc>
-                <a:tc>
-                  <a:txBody>
-                    <a:bodyPr/>
-                    <a:lstStyle/>
-                    <a:p>
-                      <a:pPr algn="r" fontAlgn="ctr"/>
-                      <a:r>
-                        <a:rPr lang="en-US" sz="1000">
-                          <a:effectLst/>
-                        </a:rPr>
-                        <a:t>1846</a:t>
-                      </a:r>
-                    </a:p>
-                  </a:txBody>
-                  <a:tcPr marL="49447" marR="49447" marT="24724" marB="24724" anchor="ctr">
-                    <a:lnL>
-                      <a:noFill/>
-                    </a:lnL>
-                    <a:lnR>
-                      <a:noFill/>
-                    </a:lnR>
-                    <a:lnT>
-                      <a:noFill/>
-                    </a:lnT>
-                    <a:lnB>
-                      <a:noFill/>
-                    </a:lnB>
-                    <a:solidFill>
-                      <a:srgbClr val="F5F5F5"/>
-                    </a:solidFill>
-                  </a:tcPr>
-                </a:tc>
-                <a:tc>
-                  <a:txBody>
-                    <a:bodyPr/>
-                    <a:lstStyle/>
-                    <a:p>
-                      <a:pPr algn="r" fontAlgn="ctr"/>
-                      <a:r>
-                        <a:rPr lang="en-US" sz="1000">
-                          <a:effectLst/>
-                        </a:rPr>
-                        <a:t>71</a:t>
-                      </a:r>
-                    </a:p>
-                  </a:txBody>
-                  <a:tcPr marL="49447" marR="49447" marT="24724" marB="24724" anchor="ctr">
-                    <a:lnL>
-                      <a:noFill/>
-                    </a:lnL>
-                    <a:lnR>
-                      <a:noFill/>
-                    </a:lnR>
-                    <a:lnT>
-                      <a:noFill/>
-                    </a:lnT>
-                    <a:lnB>
-                      <a:noFill/>
-                    </a:lnB>
-                    <a:solidFill>
-                      <a:srgbClr val="F5F5F5"/>
-                    </a:solidFill>
-                  </a:tcPr>
-                </a:tc>
-                <a:extLst>
-                  <a:ext uri="{0D108BD9-81ED-4DB2-BD59-A6C34878D82A}">
-                    <a16:rowId xmlns:a16="http://schemas.microsoft.com/office/drawing/2014/main" val="2523358162"/>
-                  </a:ext>
-                </a:extLst>
-              </a:tr>
-              <a:tr h="265054">
-                <a:tc vMerge="1">
-                  <a:txBody>
-                    <a:bodyPr/>
-                    <a:lstStyle/>
-                    <a:p>
-                      <a:endParaRPr lang="en-US"/>
-                    </a:p>
-                  </a:txBody>
-                  <a:tcPr/>
-                </a:tc>
-                <a:tc>
-                  <a:txBody>
-                    <a:bodyPr/>
-                    <a:lstStyle/>
-                    <a:p>
-                      <a:pPr algn="r" fontAlgn="ctr"/>
-                      <a:r>
-                        <a:rPr lang="en-US" sz="1000" b="1">
-                          <a:effectLst/>
-                        </a:rPr>
-                        <a:t>True</a:t>
-                      </a:r>
-                    </a:p>
-                  </a:txBody>
-                  <a:tcPr marL="49447" marR="49447" marT="24724" marB="24724" anchor="ctr">
-                    <a:lnL>
-                      <a:noFill/>
-                    </a:lnL>
-                    <a:lnR>
-                      <a:noFill/>
-                    </a:lnR>
-                    <a:lnT>
-                      <a:noFill/>
-                    </a:lnT>
-                    <a:lnB>
-                      <a:noFill/>
-                    </a:lnB>
-                    <a:solidFill>
-                      <a:srgbClr val="FFFFFF"/>
-                    </a:solidFill>
-                  </a:tcPr>
-                </a:tc>
-                <a:tc>
-                  <a:txBody>
-                    <a:bodyPr/>
-                    <a:lstStyle/>
-                    <a:p>
-                      <a:pPr algn="r" fontAlgn="ctr"/>
-                      <a:r>
-                        <a:rPr lang="en-US" sz="1000">
-                          <a:effectLst/>
-                        </a:rPr>
-                        <a:t>4971</a:t>
-                      </a:r>
-                    </a:p>
-                  </a:txBody>
-                  <a:tcPr marL="49447" marR="49447" marT="24724" marB="24724" anchor="ctr">
-                    <a:lnL>
-                      <a:noFill/>
-                    </a:lnL>
-                    <a:lnR>
-                      <a:noFill/>
-                    </a:lnR>
-                    <a:lnT>
-                      <a:noFill/>
-                    </a:lnT>
-                    <a:lnB>
-                      <a:noFill/>
-                    </a:lnB>
-                    <a:solidFill>
-                      <a:srgbClr val="FFFFFF"/>
-                    </a:solidFill>
-                  </a:tcPr>
-                </a:tc>
-                <a:tc>
-                  <a:txBody>
-                    <a:bodyPr/>
-                    <a:lstStyle/>
-                    <a:p>
-                      <a:pPr algn="r" fontAlgn="ctr"/>
-                      <a:r>
-                        <a:rPr lang="en-US" sz="1000">
-                          <a:effectLst/>
-                        </a:rPr>
-                        <a:t>358</a:t>
-                      </a:r>
-                    </a:p>
-                  </a:txBody>
-                  <a:tcPr marL="49447" marR="49447" marT="24724" marB="24724" anchor="ctr">
-                    <a:lnL>
-                      <a:noFill/>
-                    </a:lnL>
-                    <a:lnR>
-                      <a:noFill/>
-                    </a:lnR>
-                    <a:lnT>
-                      <a:noFill/>
-                    </a:lnT>
-                    <a:lnB>
-                      <a:noFill/>
-                    </a:lnB>
-                    <a:solidFill>
-                      <a:srgbClr val="FFFFFF"/>
-                    </a:solidFill>
-                  </a:tcPr>
-                </a:tc>
-                <a:extLst>
-                  <a:ext uri="{0D108BD9-81ED-4DB2-BD59-A6C34878D82A}">
-                    <a16:rowId xmlns:a16="http://schemas.microsoft.com/office/drawing/2014/main" val="784962967"/>
-                  </a:ext>
-                </a:extLst>
-              </a:tr>
-              <a:tr h="265054">
-                <a:tc rowSpan="2">
-                  <a:txBody>
-                    <a:bodyPr/>
-                    <a:lstStyle/>
-                    <a:p>
-                      <a:pPr algn="r" fontAlgn="t"/>
-                      <a:r>
-                        <a:rPr lang="en-US" sz="1000" b="1">
-                          <a:effectLst/>
-                        </a:rPr>
-                        <a:t>Peru</a:t>
-                      </a:r>
-                    </a:p>
-                  </a:txBody>
-                  <a:tcPr marL="49447" marR="49447" marT="24724" marB="24724">
-                    <a:lnL>
-                      <a:noFill/>
-                    </a:lnL>
-                    <a:lnR>
-                      <a:noFill/>
-                    </a:lnR>
-                    <a:lnT>
-                      <a:noFill/>
-                    </a:lnT>
-                    <a:lnB>
-                      <a:noFill/>
-                    </a:lnB>
-                    <a:solidFill>
-                      <a:srgbClr val="F5F5F5"/>
-                    </a:solidFill>
-                  </a:tcPr>
-                </a:tc>
-                <a:tc>
-                  <a:txBody>
-                    <a:bodyPr/>
-                    <a:lstStyle/>
-                    <a:p>
-                      <a:pPr algn="r" fontAlgn="t"/>
-                      <a:r>
-                        <a:rPr lang="en-US" sz="1000" b="1">
-                          <a:effectLst/>
-                        </a:rPr>
-                        <a:t>False</a:t>
-                      </a:r>
-                    </a:p>
-                  </a:txBody>
-                  <a:tcPr marL="49447" marR="49447" marT="24724" marB="24724">
-                    <a:lnL>
-                      <a:noFill/>
-                    </a:lnL>
-                    <a:lnR>
-                      <a:noFill/>
-                    </a:lnR>
-                    <a:lnT>
-                      <a:noFill/>
-                    </a:lnT>
-                    <a:lnB>
-                      <a:noFill/>
-                    </a:lnB>
-                    <a:solidFill>
-                      <a:srgbClr val="F5F5F5"/>
-                    </a:solidFill>
-                  </a:tcPr>
-                </a:tc>
-                <a:tc>
-                  <a:txBody>
-                    <a:bodyPr/>
-                    <a:lstStyle/>
-                    <a:p>
-                      <a:pPr algn="r" fontAlgn="ctr"/>
-                      <a:r>
-                        <a:rPr lang="en-US" sz="1000">
-                          <a:effectLst/>
-                        </a:rPr>
-                        <a:t>212</a:t>
-                      </a:r>
-                    </a:p>
-                  </a:txBody>
-                  <a:tcPr marL="49447" marR="49447" marT="24724" marB="24724" anchor="ctr">
-                    <a:lnL>
-                      <a:noFill/>
-                    </a:lnL>
-                    <a:lnR>
-                      <a:noFill/>
-                    </a:lnR>
-                    <a:lnT>
-                      <a:noFill/>
-                    </a:lnT>
-                    <a:lnB>
-                      <a:noFill/>
-                    </a:lnB>
-                    <a:solidFill>
-                      <a:srgbClr val="F5F5F5"/>
-                    </a:solidFill>
-                  </a:tcPr>
-                </a:tc>
-                <a:tc>
-                  <a:txBody>
-                    <a:bodyPr/>
-                    <a:lstStyle/>
-                    <a:p>
-                      <a:pPr algn="r" fontAlgn="ctr"/>
-                      <a:r>
-                        <a:rPr lang="en-US" sz="1000">
-                          <a:effectLst/>
-                        </a:rPr>
-                        <a:t>2</a:t>
-                      </a:r>
-                    </a:p>
-                  </a:txBody>
-                  <a:tcPr marL="49447" marR="49447" marT="24724" marB="24724" anchor="ctr">
-                    <a:lnL>
-                      <a:noFill/>
-                    </a:lnL>
-                    <a:lnR>
-                      <a:noFill/>
-                    </a:lnR>
-                    <a:lnT>
-                      <a:noFill/>
-                    </a:lnT>
-                    <a:lnB>
-                      <a:noFill/>
-                    </a:lnB>
-                    <a:solidFill>
-                      <a:srgbClr val="F5F5F5"/>
-                    </a:solidFill>
-                  </a:tcPr>
-                </a:tc>
-                <a:extLst>
-                  <a:ext uri="{0D108BD9-81ED-4DB2-BD59-A6C34878D82A}">
-                    <a16:rowId xmlns:a16="http://schemas.microsoft.com/office/drawing/2014/main" val="2876654569"/>
-                  </a:ext>
-                </a:extLst>
-              </a:tr>
-              <a:tr h="265054">
-                <a:tc vMerge="1">
-                  <a:txBody>
-                    <a:bodyPr/>
-                    <a:lstStyle/>
-                    <a:p>
-                      <a:endParaRPr lang="en-US"/>
-                    </a:p>
-                  </a:txBody>
-                  <a:tcPr/>
-                </a:tc>
-                <a:tc>
-                  <a:txBody>
-                    <a:bodyPr/>
-                    <a:lstStyle/>
-                    <a:p>
-                      <a:pPr algn="r" fontAlgn="ctr"/>
-                      <a:r>
-                        <a:rPr lang="en-US" sz="1000" b="1">
-                          <a:effectLst/>
-                        </a:rPr>
-                        <a:t>True</a:t>
-                      </a:r>
-                    </a:p>
-                  </a:txBody>
-                  <a:tcPr marL="49447" marR="49447" marT="24724" marB="24724" anchor="ctr">
-                    <a:lnL>
-                      <a:noFill/>
-                    </a:lnL>
-                    <a:lnR>
-                      <a:noFill/>
-                    </a:lnR>
-                    <a:lnT>
-                      <a:noFill/>
-                    </a:lnT>
-                    <a:lnB>
-                      <a:noFill/>
-                    </a:lnB>
-                    <a:solidFill>
-                      <a:srgbClr val="FFFFFF"/>
-                    </a:solidFill>
-                  </a:tcPr>
-                </a:tc>
-                <a:tc>
-                  <a:txBody>
-                    <a:bodyPr/>
-                    <a:lstStyle/>
-                    <a:p>
-                      <a:pPr algn="r" fontAlgn="ctr"/>
-                      <a:r>
-                        <a:rPr lang="en-US" sz="1000">
-                          <a:effectLst/>
-                        </a:rPr>
-                        <a:t>346</a:t>
-                      </a:r>
-                    </a:p>
-                  </a:txBody>
-                  <a:tcPr marL="49447" marR="49447" marT="24724" marB="24724" anchor="ctr">
-                    <a:lnL>
-                      <a:noFill/>
-                    </a:lnL>
-                    <a:lnR>
-                      <a:noFill/>
-                    </a:lnR>
-                    <a:lnT>
-                      <a:noFill/>
-                    </a:lnT>
-                    <a:lnB>
-                      <a:noFill/>
-                    </a:lnB>
-                    <a:solidFill>
-                      <a:srgbClr val="FFFFFF"/>
-                    </a:solidFill>
-                  </a:tcPr>
-                </a:tc>
-                <a:tc>
-                  <a:txBody>
-                    <a:bodyPr/>
-                    <a:lstStyle/>
-                    <a:p>
-                      <a:pPr algn="r" fontAlgn="ctr"/>
-                      <a:r>
-                        <a:rPr lang="en-US" sz="1000">
-                          <a:effectLst/>
-                        </a:rPr>
-                        <a:t>7</a:t>
-                      </a:r>
-                    </a:p>
-                  </a:txBody>
-                  <a:tcPr marL="49447" marR="49447" marT="24724" marB="24724" anchor="ctr">
-                    <a:lnL>
-                      <a:noFill/>
-                    </a:lnL>
-                    <a:lnR>
-                      <a:noFill/>
-                    </a:lnR>
-                    <a:lnT>
-                      <a:noFill/>
-                    </a:lnT>
-                    <a:lnB>
-                      <a:noFill/>
-                    </a:lnB>
-                    <a:solidFill>
-                      <a:srgbClr val="FFFFFF"/>
-                    </a:solidFill>
-                  </a:tcPr>
-                </a:tc>
-                <a:extLst>
-                  <a:ext uri="{0D108BD9-81ED-4DB2-BD59-A6C34878D82A}">
-                    <a16:rowId xmlns:a16="http://schemas.microsoft.com/office/drawing/2014/main" val="3922839100"/>
-                  </a:ext>
-                </a:extLst>
-              </a:tr>
-              <a:tr h="265054">
-                <a:tc rowSpan="2">
-                  <a:txBody>
-                    <a:bodyPr/>
-                    <a:lstStyle/>
-                    <a:p>
-                      <a:pPr algn="r" fontAlgn="t"/>
-                      <a:r>
-                        <a:rPr lang="en-US" sz="1000" b="1">
-                          <a:effectLst/>
-                        </a:rPr>
-                        <a:t>Spain</a:t>
-                      </a:r>
-                    </a:p>
-                  </a:txBody>
-                  <a:tcPr marL="49447" marR="49447" marT="24724" marB="24724">
-                    <a:lnL>
-                      <a:noFill/>
-                    </a:lnL>
-                    <a:lnR>
-                      <a:noFill/>
-                    </a:lnR>
-                    <a:lnT>
-                      <a:noFill/>
-                    </a:lnT>
-                    <a:lnB>
-                      <a:noFill/>
-                    </a:lnB>
-                    <a:solidFill>
-                      <a:srgbClr val="F5F5F5"/>
-                    </a:solidFill>
-                  </a:tcPr>
-                </a:tc>
-                <a:tc>
-                  <a:txBody>
-                    <a:bodyPr/>
-                    <a:lstStyle/>
-                    <a:p>
-                      <a:pPr algn="r" fontAlgn="t"/>
-                      <a:r>
-                        <a:rPr lang="en-US" sz="1000" b="1">
-                          <a:effectLst/>
-                        </a:rPr>
-                        <a:t>False</a:t>
-                      </a:r>
-                    </a:p>
-                  </a:txBody>
-                  <a:tcPr marL="49447" marR="49447" marT="24724" marB="24724">
-                    <a:lnL>
-                      <a:noFill/>
-                    </a:lnL>
-                    <a:lnR>
-                      <a:noFill/>
-                    </a:lnR>
-                    <a:lnT>
-                      <a:noFill/>
-                    </a:lnT>
-                    <a:lnB>
-                      <a:noFill/>
-                    </a:lnB>
-                    <a:solidFill>
-                      <a:srgbClr val="F5F5F5"/>
-                    </a:solidFill>
-                  </a:tcPr>
-                </a:tc>
-                <a:tc>
-                  <a:txBody>
-                    <a:bodyPr/>
-                    <a:lstStyle/>
-                    <a:p>
-                      <a:pPr algn="r" fontAlgn="ctr"/>
-                      <a:r>
-                        <a:rPr lang="en-US" sz="1000">
-                          <a:effectLst/>
-                        </a:rPr>
-                        <a:t>9038</a:t>
-                      </a:r>
-                    </a:p>
-                  </a:txBody>
-                  <a:tcPr marL="49447" marR="49447" marT="24724" marB="24724" anchor="ctr">
-                    <a:lnL>
-                      <a:noFill/>
-                    </a:lnL>
-                    <a:lnR>
-                      <a:noFill/>
-                    </a:lnR>
-                    <a:lnT>
-                      <a:noFill/>
-                    </a:lnT>
-                    <a:lnB>
-                      <a:noFill/>
-                    </a:lnB>
-                    <a:solidFill>
-                      <a:srgbClr val="F5F5F5"/>
-                    </a:solidFill>
-                  </a:tcPr>
-                </a:tc>
-                <a:tc>
-                  <a:txBody>
-                    <a:bodyPr/>
-                    <a:lstStyle/>
-                    <a:p>
-                      <a:pPr algn="r" fontAlgn="ctr"/>
-                      <a:r>
-                        <a:rPr lang="en-US" sz="1000">
-                          <a:effectLst/>
-                        </a:rPr>
-                        <a:t>444</a:t>
-                      </a:r>
-                    </a:p>
-                  </a:txBody>
-                  <a:tcPr marL="49447" marR="49447" marT="24724" marB="24724" anchor="ctr">
-                    <a:lnL>
-                      <a:noFill/>
-                    </a:lnL>
-                    <a:lnR>
-                      <a:noFill/>
-                    </a:lnR>
-                    <a:lnT>
-                      <a:noFill/>
-                    </a:lnT>
-                    <a:lnB>
-                      <a:noFill/>
-                    </a:lnB>
-                    <a:solidFill>
-                      <a:srgbClr val="F5F5F5"/>
-                    </a:solidFill>
-                  </a:tcPr>
-                </a:tc>
-                <a:extLst>
-                  <a:ext uri="{0D108BD9-81ED-4DB2-BD59-A6C34878D82A}">
-                    <a16:rowId xmlns:a16="http://schemas.microsoft.com/office/drawing/2014/main" val="3072567635"/>
-                  </a:ext>
-                </a:extLst>
-              </a:tr>
-              <a:tr h="265054">
-                <a:tc vMerge="1">
-                  <a:txBody>
-                    <a:bodyPr/>
-                    <a:lstStyle/>
-                    <a:p>
-                      <a:endParaRPr lang="en-US"/>
-                    </a:p>
-                  </a:txBody>
-                  <a:tcPr/>
-                </a:tc>
-                <a:tc>
-                  <a:txBody>
-                    <a:bodyPr/>
-                    <a:lstStyle/>
-                    <a:p>
-                      <a:pPr algn="r" fontAlgn="ctr"/>
-                      <a:r>
-                        <a:rPr lang="en-US" sz="1000" b="1">
-                          <a:effectLst/>
-                        </a:rPr>
-                        <a:t>True</a:t>
-                      </a:r>
-                    </a:p>
-                  </a:txBody>
-                  <a:tcPr marL="49447" marR="49447" marT="24724" marB="24724" anchor="ctr">
-                    <a:lnL>
-                      <a:noFill/>
-                    </a:lnL>
-                    <a:lnR>
-                      <a:noFill/>
-                    </a:lnR>
-                    <a:lnT>
-                      <a:noFill/>
-                    </a:lnT>
-                    <a:lnB>
-                      <a:noFill/>
-                    </a:lnB>
-                    <a:solidFill>
-                      <a:srgbClr val="FFFFFF"/>
-                    </a:solidFill>
-                  </a:tcPr>
-                </a:tc>
-                <a:tc>
-                  <a:txBody>
-                    <a:bodyPr/>
-                    <a:lstStyle/>
-                    <a:p>
-                      <a:pPr algn="r" fontAlgn="ctr"/>
-                      <a:r>
-                        <a:rPr lang="en-US" sz="1000">
-                          <a:effectLst/>
-                        </a:rPr>
-                        <a:t>28495</a:t>
-                      </a:r>
-                    </a:p>
-                  </a:txBody>
-                  <a:tcPr marL="49447" marR="49447" marT="24724" marB="24724" anchor="ctr">
-                    <a:lnL>
-                      <a:noFill/>
-                    </a:lnL>
-                    <a:lnR>
-                      <a:noFill/>
-                    </a:lnR>
-                    <a:lnT>
-                      <a:noFill/>
-                    </a:lnT>
-                    <a:lnB>
-                      <a:noFill/>
-                    </a:lnB>
-                    <a:solidFill>
-                      <a:srgbClr val="FFFFFF"/>
-                    </a:solidFill>
-                  </a:tcPr>
-                </a:tc>
-                <a:tc>
-                  <a:txBody>
-                    <a:bodyPr/>
-                    <a:lstStyle/>
-                    <a:p>
-                      <a:pPr algn="r" fontAlgn="ctr"/>
-                      <a:r>
-                        <a:rPr lang="en-US" sz="1000">
-                          <a:effectLst/>
-                        </a:rPr>
-                        <a:t>2205</a:t>
-                      </a:r>
-                    </a:p>
-                  </a:txBody>
-                  <a:tcPr marL="49447" marR="49447" marT="24724" marB="24724" anchor="ctr">
-                    <a:lnL>
-                      <a:noFill/>
-                    </a:lnL>
-                    <a:lnR>
-                      <a:noFill/>
-                    </a:lnR>
-                    <a:lnT>
-                      <a:noFill/>
-                    </a:lnT>
-                    <a:lnB>
-                      <a:noFill/>
-                    </a:lnB>
-                    <a:solidFill>
-                      <a:srgbClr val="FFFFFF"/>
-                    </a:solidFill>
-                  </a:tcPr>
-                </a:tc>
-                <a:extLst>
-                  <a:ext uri="{0D108BD9-81ED-4DB2-BD59-A6C34878D82A}">
-                    <a16:rowId xmlns:a16="http://schemas.microsoft.com/office/drawing/2014/main" val="4125679712"/>
-                  </a:ext>
-                </a:extLst>
-              </a:tr>
-              <a:tr h="265054">
-                <a:tc rowSpan="2">
-                  <a:txBody>
-                    <a:bodyPr/>
-                    <a:lstStyle/>
-                    <a:p>
-                      <a:pPr algn="r" fontAlgn="t"/>
-                      <a:r>
-                        <a:rPr lang="en-US" sz="1000" b="1">
-                          <a:effectLst/>
-                        </a:rPr>
-                        <a:t>Switzerland</a:t>
-                      </a:r>
-                    </a:p>
-                  </a:txBody>
-                  <a:tcPr marL="49447" marR="49447" marT="24724" marB="24724">
-                    <a:lnL>
-                      <a:noFill/>
-                    </a:lnL>
-                    <a:lnR>
-                      <a:noFill/>
-                    </a:lnR>
-                    <a:lnT>
-                      <a:noFill/>
-                    </a:lnT>
-                    <a:lnB>
-                      <a:noFill/>
-                    </a:lnB>
-                    <a:solidFill>
-                      <a:srgbClr val="F5F5F5"/>
-                    </a:solidFill>
-                  </a:tcPr>
-                </a:tc>
-                <a:tc>
-                  <a:txBody>
-                    <a:bodyPr/>
-                    <a:lstStyle/>
-                    <a:p>
-                      <a:pPr algn="r" fontAlgn="t"/>
-                      <a:r>
-                        <a:rPr lang="en-US" sz="1000" b="1">
-                          <a:effectLst/>
-                        </a:rPr>
-                        <a:t>False</a:t>
-                      </a:r>
-                    </a:p>
-                  </a:txBody>
-                  <a:tcPr marL="49447" marR="49447" marT="24724" marB="24724">
-                    <a:lnL>
-                      <a:noFill/>
-                    </a:lnL>
-                    <a:lnR>
-                      <a:noFill/>
-                    </a:lnR>
-                    <a:lnT>
-                      <a:noFill/>
-                    </a:lnT>
-                    <a:lnB>
-                      <a:noFill/>
-                    </a:lnB>
-                    <a:solidFill>
-                      <a:srgbClr val="F5F5F5"/>
-                    </a:solidFill>
-                  </a:tcPr>
-                </a:tc>
-                <a:tc>
-                  <a:txBody>
-                    <a:bodyPr/>
-                    <a:lstStyle/>
-                    <a:p>
-                      <a:pPr algn="r" fontAlgn="ctr"/>
-                      <a:r>
-                        <a:rPr lang="en-US" sz="1000">
-                          <a:effectLst/>
-                        </a:rPr>
-                        <a:t>3719</a:t>
-                      </a:r>
-                    </a:p>
-                  </a:txBody>
-                  <a:tcPr marL="49447" marR="49447" marT="24724" marB="24724" anchor="ctr">
-                    <a:lnL>
-                      <a:noFill/>
-                    </a:lnL>
-                    <a:lnR>
-                      <a:noFill/>
-                    </a:lnR>
-                    <a:lnT>
-                      <a:noFill/>
-                    </a:lnT>
-                    <a:lnB>
-                      <a:noFill/>
-                    </a:lnB>
-                    <a:solidFill>
-                      <a:srgbClr val="F5F5F5"/>
-                    </a:solidFill>
-                  </a:tcPr>
-                </a:tc>
-                <a:tc>
-                  <a:txBody>
-                    <a:bodyPr/>
-                    <a:lstStyle/>
-                    <a:p>
-                      <a:pPr algn="r" fontAlgn="ctr"/>
-                      <a:r>
-                        <a:rPr lang="en-US" sz="1000">
-                          <a:effectLst/>
-                        </a:rPr>
-                        <a:t>36</a:t>
-                      </a:r>
-                    </a:p>
-                  </a:txBody>
-                  <a:tcPr marL="49447" marR="49447" marT="24724" marB="24724" anchor="ctr">
-                    <a:lnL>
-                      <a:noFill/>
-                    </a:lnL>
-                    <a:lnR>
-                      <a:noFill/>
-                    </a:lnR>
-                    <a:lnT>
-                      <a:noFill/>
-                    </a:lnT>
-                    <a:lnB>
-                      <a:noFill/>
-                    </a:lnB>
-                    <a:solidFill>
-                      <a:srgbClr val="F5F5F5"/>
-                    </a:solidFill>
-                  </a:tcPr>
-                </a:tc>
-                <a:extLst>
-                  <a:ext uri="{0D108BD9-81ED-4DB2-BD59-A6C34878D82A}">
-                    <a16:rowId xmlns:a16="http://schemas.microsoft.com/office/drawing/2014/main" val="2585694459"/>
-                  </a:ext>
-                </a:extLst>
-              </a:tr>
-              <a:tr h="265054">
-                <a:tc vMerge="1">
-                  <a:txBody>
-                    <a:bodyPr/>
-                    <a:lstStyle/>
-                    <a:p>
-                      <a:endParaRPr lang="en-US"/>
-                    </a:p>
-                  </a:txBody>
-                  <a:tcPr/>
-                </a:tc>
-                <a:tc>
-                  <a:txBody>
-                    <a:bodyPr/>
-                    <a:lstStyle/>
-                    <a:p>
-                      <a:pPr algn="r" fontAlgn="ctr"/>
-                      <a:r>
-                        <a:rPr lang="en-US" sz="1000" b="1">
-                          <a:effectLst/>
-                        </a:rPr>
-                        <a:t>True</a:t>
-                      </a:r>
-                    </a:p>
-                  </a:txBody>
-                  <a:tcPr marL="49447" marR="49447" marT="24724" marB="24724" anchor="ctr">
-                    <a:lnL>
-                      <a:noFill/>
-                    </a:lnL>
-                    <a:lnR>
-                      <a:noFill/>
-                    </a:lnR>
-                    <a:lnT>
-                      <a:noFill/>
-                    </a:lnT>
-                    <a:lnB>
-                      <a:noFill/>
-                    </a:lnB>
-                    <a:solidFill>
-                      <a:srgbClr val="FFFFFF"/>
-                    </a:solidFill>
-                  </a:tcPr>
-                </a:tc>
-                <a:tc>
-                  <a:txBody>
-                    <a:bodyPr/>
-                    <a:lstStyle/>
-                    <a:p>
-                      <a:pPr algn="r" fontAlgn="ctr"/>
-                      <a:r>
-                        <a:rPr lang="en-US" sz="1000">
-                          <a:effectLst/>
-                        </a:rPr>
-                        <a:t>7264</a:t>
-                      </a:r>
-                    </a:p>
-                  </a:txBody>
-                  <a:tcPr marL="49447" marR="49447" marT="24724" marB="24724" anchor="ctr">
-                    <a:lnL>
-                      <a:noFill/>
-                    </a:lnL>
-                    <a:lnR>
-                      <a:noFill/>
-                    </a:lnR>
-                    <a:lnT>
-                      <a:noFill/>
-                    </a:lnT>
-                    <a:lnB>
-                      <a:noFill/>
-                    </a:lnB>
-                    <a:solidFill>
-                      <a:srgbClr val="FFFFFF"/>
-                    </a:solidFill>
-                  </a:tcPr>
-                </a:tc>
-                <a:tc>
-                  <a:txBody>
-                    <a:bodyPr/>
-                    <a:lstStyle/>
-                    <a:p>
-                      <a:pPr algn="r" fontAlgn="ctr"/>
-                      <a:r>
-                        <a:rPr lang="en-US" sz="1000">
-                          <a:effectLst/>
-                        </a:rPr>
-                        <a:t>154</a:t>
-                      </a:r>
-                    </a:p>
-                  </a:txBody>
-                  <a:tcPr marL="49447" marR="49447" marT="24724" marB="24724" anchor="ctr">
-                    <a:lnL>
-                      <a:noFill/>
-                    </a:lnL>
-                    <a:lnR>
-                      <a:noFill/>
-                    </a:lnR>
-                    <a:lnT>
-                      <a:noFill/>
-                    </a:lnT>
-                    <a:lnB>
-                      <a:noFill/>
-                    </a:lnB>
-                    <a:solidFill>
-                      <a:srgbClr val="FFFFFF"/>
-                    </a:solidFill>
-                  </a:tcPr>
-                </a:tc>
-                <a:extLst>
-                  <a:ext uri="{0D108BD9-81ED-4DB2-BD59-A6C34878D82A}">
-                    <a16:rowId xmlns:a16="http://schemas.microsoft.com/office/drawing/2014/main" val="1800777491"/>
-                  </a:ext>
-                </a:extLst>
-              </a:tr>
-              <a:tr h="265054">
-                <a:tc rowSpan="2">
-                  <a:txBody>
-                    <a:bodyPr/>
-                    <a:lstStyle/>
-                    <a:p>
-                      <a:pPr algn="r" fontAlgn="t"/>
-                      <a:r>
-                        <a:rPr lang="en-US" sz="1000" b="1">
-                          <a:effectLst/>
-                        </a:rPr>
-                        <a:t>Turkey</a:t>
-                      </a:r>
-                    </a:p>
-                  </a:txBody>
-                  <a:tcPr marL="49447" marR="49447" marT="24724" marB="24724">
-                    <a:lnL>
-                      <a:noFill/>
-                    </a:lnL>
-                    <a:lnR>
-                      <a:noFill/>
-                    </a:lnR>
-                    <a:lnT>
-                      <a:noFill/>
-                    </a:lnT>
-                    <a:lnB>
-                      <a:noFill/>
-                    </a:lnB>
-                    <a:solidFill>
-                      <a:srgbClr val="F5F5F5"/>
-                    </a:solidFill>
-                  </a:tcPr>
-                </a:tc>
-                <a:tc>
-                  <a:txBody>
-                    <a:bodyPr/>
-                    <a:lstStyle/>
-                    <a:p>
-                      <a:pPr algn="r" fontAlgn="t"/>
-                      <a:r>
-                        <a:rPr lang="en-US" sz="1000" b="1">
-                          <a:effectLst/>
-                        </a:rPr>
-                        <a:t>False</a:t>
-                      </a:r>
-                    </a:p>
-                  </a:txBody>
-                  <a:tcPr marL="49447" marR="49447" marT="24724" marB="24724">
-                    <a:lnL>
-                      <a:noFill/>
-                    </a:lnL>
-                    <a:lnR>
-                      <a:noFill/>
-                    </a:lnR>
-                    <a:lnT>
-                      <a:noFill/>
-                    </a:lnT>
-                    <a:lnB>
-                      <a:noFill/>
-                    </a:lnB>
-                    <a:solidFill>
-                      <a:srgbClr val="F5F5F5"/>
-                    </a:solidFill>
-                  </a:tcPr>
-                </a:tc>
-                <a:tc>
-                  <a:txBody>
-                    <a:bodyPr/>
-                    <a:lstStyle/>
-                    <a:p>
-                      <a:pPr algn="r" fontAlgn="ctr"/>
-                      <a:r>
-                        <a:rPr lang="en-US" sz="1000">
-                          <a:effectLst/>
-                        </a:rPr>
-                        <a:t>26837</a:t>
-                      </a:r>
-                    </a:p>
-                  </a:txBody>
-                  <a:tcPr marL="49447" marR="49447" marT="24724" marB="24724" anchor="ctr">
-                    <a:lnL>
-                      <a:noFill/>
-                    </a:lnL>
-                    <a:lnR>
-                      <a:noFill/>
-                    </a:lnR>
-                    <a:lnT>
-                      <a:noFill/>
-                    </a:lnT>
-                    <a:lnB>
-                      <a:noFill/>
-                    </a:lnB>
-                    <a:solidFill>
-                      <a:srgbClr val="F5F5F5"/>
-                    </a:solidFill>
-                  </a:tcPr>
-                </a:tc>
-                <a:tc>
-                  <a:txBody>
-                    <a:bodyPr/>
-                    <a:lstStyle/>
-                    <a:p>
-                      <a:pPr algn="r" fontAlgn="ctr"/>
-                      <a:r>
-                        <a:rPr lang="en-US" sz="1000">
-                          <a:effectLst/>
-                        </a:rPr>
-                        <a:t>864</a:t>
-                      </a:r>
-                    </a:p>
-                  </a:txBody>
-                  <a:tcPr marL="49447" marR="49447" marT="24724" marB="24724" anchor="ctr">
-                    <a:lnL>
-                      <a:noFill/>
-                    </a:lnL>
-                    <a:lnR>
-                      <a:noFill/>
-                    </a:lnR>
-                    <a:lnT>
-                      <a:noFill/>
-                    </a:lnT>
-                    <a:lnB>
-                      <a:noFill/>
-                    </a:lnB>
-                    <a:solidFill>
-                      <a:srgbClr val="F5F5F5"/>
-                    </a:solidFill>
-                  </a:tcPr>
-                </a:tc>
-                <a:extLst>
-                  <a:ext uri="{0D108BD9-81ED-4DB2-BD59-A6C34878D82A}">
-                    <a16:rowId xmlns:a16="http://schemas.microsoft.com/office/drawing/2014/main" val="1636313107"/>
-                  </a:ext>
-                </a:extLst>
-              </a:tr>
-              <a:tr h="265054">
-                <a:tc vMerge="1">
-                  <a:txBody>
-                    <a:bodyPr/>
-                    <a:lstStyle/>
-                    <a:p>
-                      <a:endParaRPr lang="en-US"/>
-                    </a:p>
-                  </a:txBody>
-                  <a:tcPr/>
-                </a:tc>
-                <a:tc>
-                  <a:txBody>
-                    <a:bodyPr/>
-                    <a:lstStyle/>
-                    <a:p>
-                      <a:pPr algn="r" fontAlgn="ctr"/>
-                      <a:r>
-                        <a:rPr lang="en-US" sz="1000" b="1">
-                          <a:effectLst/>
-                        </a:rPr>
-                        <a:t>True</a:t>
-                      </a:r>
-                    </a:p>
-                  </a:txBody>
-                  <a:tcPr marL="49447" marR="49447" marT="24724" marB="24724" anchor="ctr">
-                    <a:lnL>
-                      <a:noFill/>
-                    </a:lnL>
-                    <a:lnR>
-                      <a:noFill/>
-                    </a:lnR>
-                    <a:lnT>
-                      <a:noFill/>
-                    </a:lnT>
-                    <a:lnB>
-                      <a:noFill/>
-                    </a:lnB>
-                    <a:solidFill>
-                      <a:srgbClr val="FFFFFF"/>
-                    </a:solidFill>
-                  </a:tcPr>
-                </a:tc>
-                <a:tc>
-                  <a:txBody>
-                    <a:bodyPr/>
-                    <a:lstStyle/>
-                    <a:p>
-                      <a:pPr algn="r" fontAlgn="ctr"/>
-                      <a:r>
-                        <a:rPr lang="en-US" sz="1000">
-                          <a:effectLst/>
-                        </a:rPr>
-                        <a:t>7459</a:t>
-                      </a:r>
-                    </a:p>
-                  </a:txBody>
-                  <a:tcPr marL="49447" marR="49447" marT="24724" marB="24724" anchor="ctr">
-                    <a:lnL>
-                      <a:noFill/>
-                    </a:lnL>
-                    <a:lnR>
-                      <a:noFill/>
-                    </a:lnR>
-                    <a:lnT>
-                      <a:noFill/>
-                    </a:lnT>
-                    <a:lnB>
-                      <a:noFill/>
-                    </a:lnB>
-                    <a:solidFill>
-                      <a:srgbClr val="FFFFFF"/>
-                    </a:solidFill>
-                  </a:tcPr>
-                </a:tc>
-                <a:tc>
-                  <a:txBody>
-                    <a:bodyPr/>
-                    <a:lstStyle/>
-                    <a:p>
-                      <a:pPr algn="r" fontAlgn="ctr"/>
-                      <a:r>
-                        <a:rPr lang="en-US" sz="1000" dirty="0">
-                          <a:effectLst/>
-                        </a:rPr>
-                        <a:t>276</a:t>
-                      </a:r>
-                    </a:p>
-                  </a:txBody>
-                  <a:tcPr marL="49447" marR="49447" marT="24724" marB="24724" anchor="ctr">
-                    <a:lnL>
-                      <a:noFill/>
-                    </a:lnL>
-                    <a:lnR>
-                      <a:noFill/>
-                    </a:lnR>
-                    <a:lnT>
-                      <a:noFill/>
-                    </a:lnT>
-                    <a:lnB>
-                      <a:noFill/>
-                    </a:lnB>
-                    <a:solidFill>
-                      <a:srgbClr val="FFFFFF"/>
-                    </a:solidFill>
-                  </a:tcPr>
-                </a:tc>
-                <a:extLst>
-                  <a:ext uri="{0D108BD9-81ED-4DB2-BD59-A6C34878D82A}">
-                    <a16:rowId xmlns:a16="http://schemas.microsoft.com/office/drawing/2014/main" val="834374616"/>
-                  </a:ext>
-                </a:extLst>
-              </a:tr>
-            </a:tbl>
-          </a:graphicData>
-        </a:graphic>
-      </p:graphicFrame>
-    </p:spTree>
-    <p:extLst>
-      <p:ext uri="{BB962C8B-B14F-4D97-AF65-F5344CB8AC3E}">
-        <p14:creationId xmlns:p14="http://schemas.microsoft.com/office/powerpoint/2010/main" val="404545293"/>
-      </p:ext>
-    </p:extLst>
-  </p:cSld>
-  <p:clrMapOvr>
-    <a:masterClrMapping/>
-  </p:clrMapOvr>
-</p:sld>
-</file>
-
 <file path=ppt/slides/slide7.xml><?xml version="1.0" encoding="utf-8"?>
 <p:sld xmlns:a="http://schemas.openxmlformats.org/drawingml/2006/main" xmlns:r="http://schemas.openxmlformats.org/officeDocument/2006/relationships" xmlns:p="http://schemas.openxmlformats.org/presentationml/2006/main">
   <p:cSld>
@@ -7324,8 +4467,8 @@
         </p:nvSpPr>
         <p:spPr>
           <a:xfrm>
-            <a:off x="838200" y="365125"/>
-            <a:ext cx="10515600" cy="534285"/>
+            <a:off x="838200" y="365126"/>
+            <a:ext cx="10515600" cy="414364"/>
           </a:xfrm>
         </p:spPr>
         <p:txBody>
@@ -7343,10 +4486,10 @@
       </p:sp>
       <p:pic>
         <p:nvPicPr>
-          <p:cNvPr id="4098" name="Picture 2">
-            <a:extLst>
-              <a:ext uri="{FF2B5EF4-FFF2-40B4-BE49-F238E27FC236}">
-                <a16:creationId xmlns:a16="http://schemas.microsoft.com/office/drawing/2014/main" id="{1B1CED7C-B199-4460-9E16-F95638CF74D5}"/>
+          <p:cNvPr id="2050" name="Picture 2">
+            <a:extLst>
+              <a:ext uri="{FF2B5EF4-FFF2-40B4-BE49-F238E27FC236}">
+                <a16:creationId xmlns:a16="http://schemas.microsoft.com/office/drawing/2014/main" id="{03547A04-DE74-4912-9DFE-99EFEA8B5656}"/>
               </a:ext>
             </a:extLst>
           </p:cNvPr>
@@ -7373,7 +4516,7 @@
         <p:spPr bwMode="auto">
           <a:xfrm>
             <a:off x="838200" y="899410"/>
-            <a:ext cx="10515600" cy="5958590"/>
+            <a:ext cx="10515600" cy="5593465"/>
           </a:xfrm>
           <a:prstGeom prst="rect">
             <a:avLst/>
@@ -7542,7 +4685,7 @@
           <p:cNvPr id="2" name="Title 1">
             <a:extLst>
               <a:ext uri="{FF2B5EF4-FFF2-40B4-BE49-F238E27FC236}">
-                <a16:creationId xmlns:a16="http://schemas.microsoft.com/office/drawing/2014/main" id="{62768417-FD7C-40C2-BB2B-B3B273467E51}"/>
+                <a16:creationId xmlns:a16="http://schemas.microsoft.com/office/drawing/2014/main" id="{B6F20ED6-E4E7-4475-AF1D-A23F63DB056F}"/>
               </a:ext>
             </a:extLst>
           </p:cNvPr>
@@ -7555,8 +4698,8 @@
         </p:nvSpPr>
         <p:spPr>
           <a:xfrm>
-            <a:off x="838200" y="209863"/>
-            <a:ext cx="10515600" cy="539645"/>
+            <a:off x="838200" y="224852"/>
+            <a:ext cx="10515600" cy="434715"/>
           </a:xfrm>
         </p:spPr>
         <p:txBody>
@@ -7566,1000 +4709,65 @@
           <a:lstStyle/>
           <a:p>
             <a:r>
-              <a:rPr lang="en-US" dirty="0" err="1"/>
-              <a:t>test_data</a:t>
-            </a:r>
-            <a:r>
               <a:rPr lang="en-US" dirty="0"/>
-              <a:t>[['cases', 'deaths']].describe()</a:t>
-            </a:r>
-          </a:p>
-        </p:txBody>
-      </p:sp>
-      <p:graphicFrame>
-        <p:nvGraphicFramePr>
-          <p:cNvPr id="4" name="Content Placeholder 3">
-            <a:extLst>
-              <a:ext uri="{FF2B5EF4-FFF2-40B4-BE49-F238E27FC236}">
-                <a16:creationId xmlns:a16="http://schemas.microsoft.com/office/drawing/2014/main" id="{6B59E99D-1616-41C4-B32D-A270CAEB798C}"/>
-              </a:ext>
-            </a:extLst>
-          </p:cNvPr>
-          <p:cNvGraphicFramePr>
-            <a:graphicFrameLocks noGrp="1"/>
-          </p:cNvGraphicFramePr>
+              <a:t>Test data summary:</a:t>
+            </a:r>
+          </a:p>
+        </p:txBody>
+      </p:sp>
+      <p:pic>
+        <p:nvPicPr>
+          <p:cNvPr id="3074" name="Picture 2">
+            <a:extLst>
+              <a:ext uri="{FF2B5EF4-FFF2-40B4-BE49-F238E27FC236}">
+                <a16:creationId xmlns:a16="http://schemas.microsoft.com/office/drawing/2014/main" id="{70ABC80D-5E84-4112-801C-9D2C803A05C2}"/>
+              </a:ext>
+            </a:extLst>
+          </p:cNvPr>
+          <p:cNvPicPr>
+            <a:picLocks noGrp="1" noChangeAspect="1" noChangeArrowheads="1"/>
+          </p:cNvPicPr>
           <p:nvPr>
             <p:ph idx="1"/>
-            <p:extLst>
-              <p:ext uri="{D42A27DB-BD31-4B8C-83A1-F6EECF244321}">
-                <p14:modId xmlns:p14="http://schemas.microsoft.com/office/powerpoint/2010/main" val="3363249429"/>
-              </p:ext>
-            </p:extLst>
-          </p:nvPr>
-        </p:nvGraphicFramePr>
-        <p:xfrm>
-          <a:off x="838200" y="1034322"/>
-          <a:ext cx="10515600" cy="5458554"/>
-        </p:xfrm>
-        <a:graphic>
-          <a:graphicData uri="http://schemas.openxmlformats.org/drawingml/2006/table">
-            <a:tbl>
-              <a:tblPr/>
-              <a:tblGrid>
-                <a:gridCol w="3505200">
-                  <a:extLst>
-                    <a:ext uri="{9D8B030D-6E8A-4147-A177-3AD203B41FA5}">
-                      <a16:colId xmlns:a16="http://schemas.microsoft.com/office/drawing/2014/main" val="3718634847"/>
-                    </a:ext>
-                  </a:extLst>
-                </a:gridCol>
-                <a:gridCol w="3505200">
-                  <a:extLst>
-                    <a:ext uri="{9D8B030D-6E8A-4147-A177-3AD203B41FA5}">
-                      <a16:colId xmlns:a16="http://schemas.microsoft.com/office/drawing/2014/main" val="1819913865"/>
-                    </a:ext>
-                  </a:extLst>
-                </a:gridCol>
-                <a:gridCol w="3505200">
-                  <a:extLst>
-                    <a:ext uri="{9D8B030D-6E8A-4147-A177-3AD203B41FA5}">
-                      <a16:colId xmlns:a16="http://schemas.microsoft.com/office/drawing/2014/main" val="1276501251"/>
-                    </a:ext>
-                  </a:extLst>
-                </a:gridCol>
-              </a:tblGrid>
-              <a:tr h="606506">
-                <a:tc>
-                  <a:txBody>
-                    <a:bodyPr/>
-                    <a:lstStyle/>
-                    <a:p>
-                      <a:pPr algn="r" fontAlgn="ctr"/>
-                      <a:endParaRPr lang="en-US" b="1">
-                        <a:effectLst/>
-                      </a:endParaRPr>
-                    </a:p>
-                  </a:txBody>
-                  <a:tcPr anchor="ctr">
-                    <a:lnL>
-                      <a:noFill/>
-                    </a:lnL>
-                    <a:lnR>
-                      <a:noFill/>
-                    </a:lnR>
-                    <a:lnT>
-                      <a:noFill/>
-                    </a:lnT>
-                    <a:lnB>
-                      <a:noFill/>
-                    </a:lnB>
-                    <a:solidFill>
-                      <a:srgbClr val="FFFFFF"/>
-                    </a:solidFill>
-                  </a:tcPr>
-                </a:tc>
-                <a:tc>
-                  <a:txBody>
-                    <a:bodyPr/>
-                    <a:lstStyle/>
-                    <a:p>
-                      <a:pPr algn="r" fontAlgn="ctr"/>
-                      <a:r>
-                        <a:rPr lang="en-US" b="1">
-                          <a:effectLst/>
-                        </a:rPr>
-                        <a:t>cases</a:t>
-                      </a:r>
-                    </a:p>
-                  </a:txBody>
-                  <a:tcPr anchor="ctr">
-                    <a:lnL>
-                      <a:noFill/>
-                    </a:lnL>
-                    <a:lnR>
-                      <a:noFill/>
-                    </a:lnR>
-                    <a:lnT>
-                      <a:noFill/>
-                    </a:lnT>
-                    <a:lnB>
-                      <a:noFill/>
-                    </a:lnB>
-                    <a:solidFill>
-                      <a:srgbClr val="FFFFFF"/>
-                    </a:solidFill>
-                  </a:tcPr>
-                </a:tc>
-                <a:tc>
-                  <a:txBody>
-                    <a:bodyPr/>
-                    <a:lstStyle/>
-                    <a:p>
-                      <a:pPr algn="r" fontAlgn="ctr"/>
-                      <a:r>
-                        <a:rPr lang="en-US" b="1">
-                          <a:effectLst/>
-                        </a:rPr>
-                        <a:t>deaths</a:t>
-                      </a:r>
-                    </a:p>
-                  </a:txBody>
-                  <a:tcPr anchor="ctr">
-                    <a:lnL>
-                      <a:noFill/>
-                    </a:lnL>
-                    <a:lnR>
-                      <a:noFill/>
-                    </a:lnR>
-                    <a:lnT>
-                      <a:noFill/>
-                    </a:lnT>
-                    <a:lnB>
-                      <a:noFill/>
-                    </a:lnB>
-                    <a:solidFill>
-                      <a:srgbClr val="FFFFFF"/>
-                    </a:solidFill>
-                  </a:tcPr>
-                </a:tc>
-                <a:extLst>
-                  <a:ext uri="{0D108BD9-81ED-4DB2-BD59-A6C34878D82A}">
-                    <a16:rowId xmlns:a16="http://schemas.microsoft.com/office/drawing/2014/main" val="2777954137"/>
-                  </a:ext>
-                </a:extLst>
-              </a:tr>
-              <a:tr h="606506">
-                <a:tc>
-                  <a:txBody>
-                    <a:bodyPr/>
-                    <a:lstStyle/>
-                    <a:p>
-                      <a:pPr algn="r" fontAlgn="ctr"/>
-                      <a:r>
-                        <a:rPr lang="en-US" b="1">
-                          <a:effectLst/>
-                        </a:rPr>
-                        <a:t>count</a:t>
-                      </a:r>
-                    </a:p>
-                  </a:txBody>
-                  <a:tcPr anchor="ctr">
-                    <a:lnL>
-                      <a:noFill/>
-                    </a:lnL>
-                    <a:lnR>
-                      <a:noFill/>
-                    </a:lnR>
-                    <a:lnT>
-                      <a:noFill/>
-                    </a:lnT>
-                    <a:lnB>
-                      <a:noFill/>
-                    </a:lnB>
-                    <a:solidFill>
-                      <a:srgbClr val="F5F5F5"/>
-                    </a:solidFill>
-                  </a:tcPr>
-                </a:tc>
-                <a:tc>
-                  <a:txBody>
-                    <a:bodyPr/>
-                    <a:lstStyle/>
-                    <a:p>
-                      <a:pPr algn="r" fontAlgn="ctr"/>
-                      <a:r>
-                        <a:rPr lang="en-US">
-                          <a:effectLst/>
-                        </a:rPr>
-                        <a:t>127.000000</a:t>
-                      </a:r>
-                    </a:p>
-                  </a:txBody>
-                  <a:tcPr anchor="ctr">
-                    <a:lnL>
-                      <a:noFill/>
-                    </a:lnL>
-                    <a:lnR>
-                      <a:noFill/>
-                    </a:lnR>
-                    <a:lnT>
-                      <a:noFill/>
-                    </a:lnT>
-                    <a:lnB>
-                      <a:noFill/>
-                    </a:lnB>
-                    <a:solidFill>
-                      <a:srgbClr val="F5F5F5"/>
-                    </a:solidFill>
-                  </a:tcPr>
-                </a:tc>
-                <a:tc>
-                  <a:txBody>
-                    <a:bodyPr/>
-                    <a:lstStyle/>
-                    <a:p>
-                      <a:pPr algn="r" fontAlgn="ctr"/>
-                      <a:r>
-                        <a:rPr lang="en-US">
-                          <a:effectLst/>
-                        </a:rPr>
-                        <a:t>127.000000</a:t>
-                      </a:r>
-                    </a:p>
-                  </a:txBody>
-                  <a:tcPr anchor="ctr">
-                    <a:lnL>
-                      <a:noFill/>
-                    </a:lnL>
-                    <a:lnR>
-                      <a:noFill/>
-                    </a:lnR>
-                    <a:lnT>
-                      <a:noFill/>
-                    </a:lnT>
-                    <a:lnB>
-                      <a:noFill/>
-                    </a:lnB>
-                    <a:solidFill>
-                      <a:srgbClr val="F5F5F5"/>
-                    </a:solidFill>
-                  </a:tcPr>
-                </a:tc>
-                <a:extLst>
-                  <a:ext uri="{0D108BD9-81ED-4DB2-BD59-A6C34878D82A}">
-                    <a16:rowId xmlns:a16="http://schemas.microsoft.com/office/drawing/2014/main" val="2974615463"/>
-                  </a:ext>
-                </a:extLst>
-              </a:tr>
-              <a:tr h="606506">
-                <a:tc>
-                  <a:txBody>
-                    <a:bodyPr/>
-                    <a:lstStyle/>
-                    <a:p>
-                      <a:pPr algn="r" fontAlgn="ctr"/>
-                      <a:r>
-                        <a:rPr lang="en-US" b="1">
-                          <a:effectLst/>
-                        </a:rPr>
-                        <a:t>mean</a:t>
-                      </a:r>
-                    </a:p>
-                  </a:txBody>
-                  <a:tcPr anchor="ctr">
-                    <a:lnL>
-                      <a:noFill/>
-                    </a:lnL>
-                    <a:lnR>
-                      <a:noFill/>
-                    </a:lnR>
-                    <a:lnT>
-                      <a:noFill/>
-                    </a:lnT>
-                    <a:lnB>
-                      <a:noFill/>
-                    </a:lnB>
-                    <a:solidFill>
-                      <a:srgbClr val="FFFFFF"/>
-                    </a:solidFill>
-                  </a:tcPr>
-                </a:tc>
-                <a:tc>
-                  <a:txBody>
-                    <a:bodyPr/>
-                    <a:lstStyle/>
-                    <a:p>
-                      <a:pPr algn="r" fontAlgn="ctr"/>
-                      <a:r>
-                        <a:rPr lang="en-US">
-                          <a:effectLst/>
-                        </a:rPr>
-                        <a:t>1401.283465</a:t>
-                      </a:r>
-                    </a:p>
-                  </a:txBody>
-                  <a:tcPr anchor="ctr">
-                    <a:lnL>
-                      <a:noFill/>
-                    </a:lnL>
-                    <a:lnR>
-                      <a:noFill/>
-                    </a:lnR>
-                    <a:lnT>
-                      <a:noFill/>
-                    </a:lnT>
-                    <a:lnB>
-                      <a:noFill/>
-                    </a:lnB>
-                    <a:solidFill>
-                      <a:srgbClr val="FFFFFF"/>
-                    </a:solidFill>
-                  </a:tcPr>
-                </a:tc>
-                <a:tc>
-                  <a:txBody>
-                    <a:bodyPr/>
-                    <a:lstStyle/>
-                    <a:p>
-                      <a:pPr algn="r" fontAlgn="ctr"/>
-                      <a:r>
-                        <a:rPr lang="en-US">
-                          <a:effectLst/>
-                        </a:rPr>
-                        <a:t>59.874016</a:t>
-                      </a:r>
-                    </a:p>
-                  </a:txBody>
-                  <a:tcPr anchor="ctr">
-                    <a:lnL>
-                      <a:noFill/>
-                    </a:lnL>
-                    <a:lnR>
-                      <a:noFill/>
-                    </a:lnR>
-                    <a:lnT>
-                      <a:noFill/>
-                    </a:lnT>
-                    <a:lnB>
-                      <a:noFill/>
-                    </a:lnB>
-                    <a:solidFill>
-                      <a:srgbClr val="FFFFFF"/>
-                    </a:solidFill>
-                  </a:tcPr>
-                </a:tc>
-                <a:extLst>
-                  <a:ext uri="{0D108BD9-81ED-4DB2-BD59-A6C34878D82A}">
-                    <a16:rowId xmlns:a16="http://schemas.microsoft.com/office/drawing/2014/main" val="3488701374"/>
-                  </a:ext>
-                </a:extLst>
-              </a:tr>
-              <a:tr h="606506">
-                <a:tc>
-                  <a:txBody>
-                    <a:bodyPr/>
-                    <a:lstStyle/>
-                    <a:p>
-                      <a:pPr algn="r" fontAlgn="ctr"/>
-                      <a:r>
-                        <a:rPr lang="en-US" b="1">
-                          <a:effectLst/>
-                        </a:rPr>
-                        <a:t>std</a:t>
-                      </a:r>
-                    </a:p>
-                  </a:txBody>
-                  <a:tcPr anchor="ctr">
-                    <a:lnL>
-                      <a:noFill/>
-                    </a:lnL>
-                    <a:lnR>
-                      <a:noFill/>
-                    </a:lnR>
-                    <a:lnT>
-                      <a:noFill/>
-                    </a:lnT>
-                    <a:lnB>
-                      <a:noFill/>
-                    </a:lnB>
-                    <a:solidFill>
-                      <a:srgbClr val="F5F5F5"/>
-                    </a:solidFill>
-                  </a:tcPr>
-                </a:tc>
-                <a:tc>
-                  <a:txBody>
-                    <a:bodyPr/>
-                    <a:lstStyle/>
-                    <a:p>
-                      <a:pPr algn="r" fontAlgn="ctr"/>
-                      <a:r>
-                        <a:rPr lang="en-US">
-                          <a:effectLst/>
-                        </a:rPr>
-                        <a:t>1681.599682</a:t>
-                      </a:r>
-                    </a:p>
-                  </a:txBody>
-                  <a:tcPr anchor="ctr">
-                    <a:lnL>
-                      <a:noFill/>
-                    </a:lnL>
-                    <a:lnR>
-                      <a:noFill/>
-                    </a:lnR>
-                    <a:lnT>
-                      <a:noFill/>
-                    </a:lnT>
-                    <a:lnB>
-                      <a:noFill/>
-                    </a:lnB>
-                    <a:solidFill>
-                      <a:srgbClr val="F5F5F5"/>
-                    </a:solidFill>
-                  </a:tcPr>
-                </a:tc>
-                <a:tc>
-                  <a:txBody>
-                    <a:bodyPr/>
-                    <a:lstStyle/>
-                    <a:p>
-                      <a:pPr algn="r" fontAlgn="ctr"/>
-                      <a:r>
-                        <a:rPr lang="en-US">
-                          <a:effectLst/>
-                        </a:rPr>
-                        <a:t>110.530251</a:t>
-                      </a:r>
-                    </a:p>
-                  </a:txBody>
-                  <a:tcPr anchor="ctr">
-                    <a:lnL>
-                      <a:noFill/>
-                    </a:lnL>
-                    <a:lnR>
-                      <a:noFill/>
-                    </a:lnR>
-                    <a:lnT>
-                      <a:noFill/>
-                    </a:lnT>
-                    <a:lnB>
-                      <a:noFill/>
-                    </a:lnB>
-                    <a:solidFill>
-                      <a:srgbClr val="F5F5F5"/>
-                    </a:solidFill>
-                  </a:tcPr>
-                </a:tc>
-                <a:extLst>
-                  <a:ext uri="{0D108BD9-81ED-4DB2-BD59-A6C34878D82A}">
-                    <a16:rowId xmlns:a16="http://schemas.microsoft.com/office/drawing/2014/main" val="434498949"/>
-                  </a:ext>
-                </a:extLst>
-              </a:tr>
-              <a:tr h="606506">
-                <a:tc>
-                  <a:txBody>
-                    <a:bodyPr/>
-                    <a:lstStyle/>
-                    <a:p>
-                      <a:pPr algn="r" fontAlgn="ctr"/>
-                      <a:r>
-                        <a:rPr lang="en-US" b="1">
-                          <a:effectLst/>
-                        </a:rPr>
-                        <a:t>min</a:t>
-                      </a:r>
-                    </a:p>
-                  </a:txBody>
-                  <a:tcPr anchor="ctr">
-                    <a:lnL>
-                      <a:noFill/>
-                    </a:lnL>
-                    <a:lnR>
-                      <a:noFill/>
-                    </a:lnR>
-                    <a:lnT>
-                      <a:noFill/>
-                    </a:lnT>
-                    <a:lnB>
-                      <a:noFill/>
-                    </a:lnB>
-                    <a:solidFill>
-                      <a:srgbClr val="FFFFFF"/>
-                    </a:solidFill>
-                  </a:tcPr>
-                </a:tc>
-                <a:tc>
-                  <a:txBody>
-                    <a:bodyPr/>
-                    <a:lstStyle/>
-                    <a:p>
-                      <a:pPr algn="r" fontAlgn="ctr"/>
-                      <a:r>
-                        <a:rPr lang="en-US">
-                          <a:effectLst/>
-                        </a:rPr>
-                        <a:t>0.000000</a:t>
-                      </a:r>
-                    </a:p>
-                  </a:txBody>
-                  <a:tcPr anchor="ctr">
-                    <a:lnL>
-                      <a:noFill/>
-                    </a:lnL>
-                    <a:lnR>
-                      <a:noFill/>
-                    </a:lnR>
-                    <a:lnT>
-                      <a:noFill/>
-                    </a:lnT>
-                    <a:lnB>
-                      <a:noFill/>
-                    </a:lnB>
-                    <a:solidFill>
-                      <a:srgbClr val="FFFFFF"/>
-                    </a:solidFill>
-                  </a:tcPr>
-                </a:tc>
-                <a:tc>
-                  <a:txBody>
-                    <a:bodyPr/>
-                    <a:lstStyle/>
-                    <a:p>
-                      <a:pPr algn="r" fontAlgn="ctr"/>
-                      <a:r>
-                        <a:rPr lang="en-US">
-                          <a:effectLst/>
-                        </a:rPr>
-                        <a:t>0.000000</a:t>
-                      </a:r>
-                    </a:p>
-                  </a:txBody>
-                  <a:tcPr anchor="ctr">
-                    <a:lnL>
-                      <a:noFill/>
-                    </a:lnL>
-                    <a:lnR>
-                      <a:noFill/>
-                    </a:lnR>
-                    <a:lnT>
-                      <a:noFill/>
-                    </a:lnT>
-                    <a:lnB>
-                      <a:noFill/>
-                    </a:lnB>
-                    <a:solidFill>
-                      <a:srgbClr val="FFFFFF"/>
-                    </a:solidFill>
-                  </a:tcPr>
-                </a:tc>
-                <a:extLst>
-                  <a:ext uri="{0D108BD9-81ED-4DB2-BD59-A6C34878D82A}">
-                    <a16:rowId xmlns:a16="http://schemas.microsoft.com/office/drawing/2014/main" val="1443240406"/>
-                  </a:ext>
-                </a:extLst>
-              </a:tr>
-              <a:tr h="606506">
-                <a:tc>
-                  <a:txBody>
-                    <a:bodyPr/>
-                    <a:lstStyle/>
-                    <a:p>
-                      <a:pPr algn="r" fontAlgn="ctr"/>
-                      <a:r>
-                        <a:rPr lang="en-US" b="1">
-                          <a:effectLst/>
-                        </a:rPr>
-                        <a:t>25%</a:t>
-                      </a:r>
-                    </a:p>
-                  </a:txBody>
-                  <a:tcPr anchor="ctr">
-                    <a:lnL>
-                      <a:noFill/>
-                    </a:lnL>
-                    <a:lnR>
-                      <a:noFill/>
-                    </a:lnR>
-                    <a:lnT>
-                      <a:noFill/>
-                    </a:lnT>
-                    <a:lnB>
-                      <a:noFill/>
-                    </a:lnB>
-                    <a:solidFill>
-                      <a:srgbClr val="F5F5F5"/>
-                    </a:solidFill>
-                  </a:tcPr>
-                </a:tc>
-                <a:tc>
-                  <a:txBody>
-                    <a:bodyPr/>
-                    <a:lstStyle/>
-                    <a:p>
-                      <a:pPr algn="r" fontAlgn="ctr"/>
-                      <a:r>
-                        <a:rPr lang="en-US">
-                          <a:effectLst/>
-                        </a:rPr>
-                        <a:t>142.500000</a:t>
-                      </a:r>
-                    </a:p>
-                  </a:txBody>
-                  <a:tcPr anchor="ctr">
-                    <a:lnL>
-                      <a:noFill/>
-                    </a:lnL>
-                    <a:lnR>
-                      <a:noFill/>
-                    </a:lnR>
-                    <a:lnT>
-                      <a:noFill/>
-                    </a:lnT>
-                    <a:lnB>
-                      <a:noFill/>
-                    </a:lnB>
-                    <a:solidFill>
-                      <a:srgbClr val="F5F5F5"/>
-                    </a:solidFill>
-                  </a:tcPr>
-                </a:tc>
-                <a:tc>
-                  <a:txBody>
-                    <a:bodyPr/>
-                    <a:lstStyle/>
-                    <a:p>
-                      <a:pPr algn="r" fontAlgn="ctr"/>
-                      <a:r>
-                        <a:rPr lang="en-US">
-                          <a:effectLst/>
-                        </a:rPr>
-                        <a:t>0.500000</a:t>
-                      </a:r>
-                    </a:p>
-                  </a:txBody>
-                  <a:tcPr anchor="ctr">
-                    <a:lnL>
-                      <a:noFill/>
-                    </a:lnL>
-                    <a:lnR>
-                      <a:noFill/>
-                    </a:lnR>
-                    <a:lnT>
-                      <a:noFill/>
-                    </a:lnT>
-                    <a:lnB>
-                      <a:noFill/>
-                    </a:lnB>
-                    <a:solidFill>
-                      <a:srgbClr val="F5F5F5"/>
-                    </a:solidFill>
-                  </a:tcPr>
-                </a:tc>
-                <a:extLst>
-                  <a:ext uri="{0D108BD9-81ED-4DB2-BD59-A6C34878D82A}">
-                    <a16:rowId xmlns:a16="http://schemas.microsoft.com/office/drawing/2014/main" val="1961495913"/>
-                  </a:ext>
-                </a:extLst>
-              </a:tr>
-              <a:tr h="606506">
-                <a:tc>
-                  <a:txBody>
-                    <a:bodyPr/>
-                    <a:lstStyle/>
-                    <a:p>
-                      <a:pPr algn="r" fontAlgn="ctr"/>
-                      <a:r>
-                        <a:rPr lang="en-US" b="1">
-                          <a:effectLst/>
-                        </a:rPr>
-                        <a:t>50%</a:t>
-                      </a:r>
-                    </a:p>
-                  </a:txBody>
-                  <a:tcPr anchor="ctr">
-                    <a:lnL>
-                      <a:noFill/>
-                    </a:lnL>
-                    <a:lnR>
-                      <a:noFill/>
-                    </a:lnR>
-                    <a:lnT>
-                      <a:noFill/>
-                    </a:lnT>
-                    <a:lnB>
-                      <a:noFill/>
-                    </a:lnB>
-                    <a:solidFill>
-                      <a:srgbClr val="FFFFFF"/>
-                    </a:solidFill>
-                  </a:tcPr>
-                </a:tc>
-                <a:tc>
-                  <a:txBody>
-                    <a:bodyPr/>
-                    <a:lstStyle/>
-                    <a:p>
-                      <a:pPr algn="r" fontAlgn="ctr"/>
-                      <a:r>
-                        <a:rPr lang="en-US">
-                          <a:effectLst/>
-                        </a:rPr>
-                        <a:t>600.000000</a:t>
-                      </a:r>
-                    </a:p>
-                  </a:txBody>
-                  <a:tcPr anchor="ctr">
-                    <a:lnL>
-                      <a:noFill/>
-                    </a:lnL>
-                    <a:lnR>
-                      <a:noFill/>
-                    </a:lnR>
-                    <a:lnT>
-                      <a:noFill/>
-                    </a:lnT>
-                    <a:lnB>
-                      <a:noFill/>
-                    </a:lnB>
-                    <a:solidFill>
-                      <a:srgbClr val="FFFFFF"/>
-                    </a:solidFill>
-                  </a:tcPr>
-                </a:tc>
-                <a:tc>
-                  <a:txBody>
-                    <a:bodyPr/>
-                    <a:lstStyle/>
-                    <a:p>
-                      <a:pPr algn="r" fontAlgn="ctr"/>
-                      <a:r>
-                        <a:rPr lang="en-US">
-                          <a:effectLst/>
-                        </a:rPr>
-                        <a:t>7.000000</a:t>
-                      </a:r>
-                    </a:p>
-                  </a:txBody>
-                  <a:tcPr anchor="ctr">
-                    <a:lnL>
-                      <a:noFill/>
-                    </a:lnL>
-                    <a:lnR>
-                      <a:noFill/>
-                    </a:lnR>
-                    <a:lnT>
-                      <a:noFill/>
-                    </a:lnT>
-                    <a:lnB>
-                      <a:noFill/>
-                    </a:lnB>
-                    <a:solidFill>
-                      <a:srgbClr val="FFFFFF"/>
-                    </a:solidFill>
-                  </a:tcPr>
-                </a:tc>
-                <a:extLst>
-                  <a:ext uri="{0D108BD9-81ED-4DB2-BD59-A6C34878D82A}">
-                    <a16:rowId xmlns:a16="http://schemas.microsoft.com/office/drawing/2014/main" val="2605680889"/>
-                  </a:ext>
-                </a:extLst>
-              </a:tr>
-              <a:tr h="606506">
-                <a:tc>
-                  <a:txBody>
-                    <a:bodyPr/>
-                    <a:lstStyle/>
-                    <a:p>
-                      <a:pPr algn="r" fontAlgn="ctr"/>
-                      <a:r>
-                        <a:rPr lang="en-US" b="1">
-                          <a:effectLst/>
-                        </a:rPr>
-                        <a:t>75%</a:t>
-                      </a:r>
-                    </a:p>
-                  </a:txBody>
-                  <a:tcPr anchor="ctr">
-                    <a:lnL>
-                      <a:noFill/>
-                    </a:lnL>
-                    <a:lnR>
-                      <a:noFill/>
-                    </a:lnR>
-                    <a:lnT>
-                      <a:noFill/>
-                    </a:lnT>
-                    <a:lnB>
-                      <a:noFill/>
-                    </a:lnB>
-                    <a:solidFill>
-                      <a:srgbClr val="F5F5F5"/>
-                    </a:solidFill>
-                  </a:tcPr>
-                </a:tc>
-                <a:tc>
-                  <a:txBody>
-                    <a:bodyPr/>
-                    <a:lstStyle/>
-                    <a:p>
-                      <a:pPr algn="r" fontAlgn="ctr"/>
-                      <a:r>
-                        <a:rPr lang="en-US">
-                          <a:effectLst/>
-                        </a:rPr>
-                        <a:t>2542.500000</a:t>
-                      </a:r>
-                    </a:p>
-                  </a:txBody>
-                  <a:tcPr anchor="ctr">
-                    <a:lnL>
-                      <a:noFill/>
-                    </a:lnL>
-                    <a:lnR>
-                      <a:noFill/>
-                    </a:lnR>
-                    <a:lnT>
-                      <a:noFill/>
-                    </a:lnT>
-                    <a:lnB>
-                      <a:noFill/>
-                    </a:lnB>
-                    <a:solidFill>
-                      <a:srgbClr val="F5F5F5"/>
-                    </a:solidFill>
-                  </a:tcPr>
-                </a:tc>
-                <a:tc>
-                  <a:txBody>
-                    <a:bodyPr/>
-                    <a:lstStyle/>
-                    <a:p>
-                      <a:pPr algn="r" fontAlgn="ctr"/>
-                      <a:r>
-                        <a:rPr lang="en-US">
-                          <a:effectLst/>
-                        </a:rPr>
-                        <a:t>69.000000</a:t>
-                      </a:r>
-                    </a:p>
-                  </a:txBody>
-                  <a:tcPr anchor="ctr">
-                    <a:lnL>
-                      <a:noFill/>
-                    </a:lnL>
-                    <a:lnR>
-                      <a:noFill/>
-                    </a:lnR>
-                    <a:lnT>
-                      <a:noFill/>
-                    </a:lnT>
-                    <a:lnB>
-                      <a:noFill/>
-                    </a:lnB>
-                    <a:solidFill>
-                      <a:srgbClr val="F5F5F5"/>
-                    </a:solidFill>
-                  </a:tcPr>
-                </a:tc>
-                <a:extLst>
-                  <a:ext uri="{0D108BD9-81ED-4DB2-BD59-A6C34878D82A}">
-                    <a16:rowId xmlns:a16="http://schemas.microsoft.com/office/drawing/2014/main" val="961173844"/>
-                  </a:ext>
-                </a:extLst>
-              </a:tr>
-              <a:tr h="606506">
-                <a:tc>
-                  <a:txBody>
-                    <a:bodyPr/>
-                    <a:lstStyle/>
-                    <a:p>
-                      <a:pPr algn="r" fontAlgn="ctr"/>
-                      <a:r>
-                        <a:rPr lang="en-US" b="1">
-                          <a:effectLst/>
-                        </a:rPr>
-                        <a:t>max</a:t>
-                      </a:r>
-                    </a:p>
-                  </a:txBody>
-                  <a:tcPr anchor="ctr">
-                    <a:lnL>
-                      <a:noFill/>
-                    </a:lnL>
-                    <a:lnR>
-                      <a:noFill/>
-                    </a:lnR>
-                    <a:lnT>
-                      <a:noFill/>
-                    </a:lnT>
-                    <a:lnB>
-                      <a:noFill/>
-                    </a:lnB>
-                    <a:solidFill>
-                      <a:srgbClr val="FFFFFF"/>
-                    </a:solidFill>
-                  </a:tcPr>
-                </a:tc>
-                <a:tc>
-                  <a:txBody>
-                    <a:bodyPr/>
-                    <a:lstStyle/>
-                    <a:p>
-                      <a:pPr algn="r" fontAlgn="ctr"/>
-                      <a:r>
-                        <a:rPr lang="en-US" dirty="0">
-                          <a:effectLst/>
-                        </a:rPr>
-                        <a:t>6584.000000</a:t>
-                      </a:r>
-                    </a:p>
-                  </a:txBody>
-                  <a:tcPr anchor="ctr">
-                    <a:lnL>
-                      <a:noFill/>
-                    </a:lnL>
-                    <a:lnR>
-                      <a:noFill/>
-                    </a:lnR>
-                    <a:lnT>
-                      <a:noFill/>
-                    </a:lnT>
-                    <a:lnB>
-                      <a:noFill/>
-                    </a:lnB>
-                    <a:solidFill>
-                      <a:srgbClr val="FFFFFF"/>
-                    </a:solidFill>
-                  </a:tcPr>
-                </a:tc>
-                <a:tc>
-                  <a:txBody>
-                    <a:bodyPr/>
-                    <a:lstStyle/>
-                    <a:p>
-                      <a:pPr algn="r" fontAlgn="ctr"/>
-                      <a:r>
-                        <a:rPr lang="en-US" dirty="0">
-                          <a:effectLst/>
-                        </a:rPr>
-                        <a:t>514.000000</a:t>
-                      </a:r>
-                    </a:p>
-                  </a:txBody>
-                  <a:tcPr anchor="ctr">
-                    <a:lnL>
-                      <a:noFill/>
-                    </a:lnL>
-                    <a:lnR>
-                      <a:noFill/>
-                    </a:lnR>
-                    <a:lnT>
-                      <a:noFill/>
-                    </a:lnT>
-                    <a:lnB>
-                      <a:noFill/>
-                    </a:lnB>
-                    <a:solidFill>
-                      <a:srgbClr val="FFFFFF"/>
-                    </a:solidFill>
-                  </a:tcPr>
-                </a:tc>
-                <a:extLst>
-                  <a:ext uri="{0D108BD9-81ED-4DB2-BD59-A6C34878D82A}">
-                    <a16:rowId xmlns:a16="http://schemas.microsoft.com/office/drawing/2014/main" val="994264495"/>
-                  </a:ext>
-                </a:extLst>
-              </a:tr>
-            </a:tbl>
-          </a:graphicData>
-        </a:graphic>
-      </p:graphicFrame>
+          </p:nvPr>
+        </p:nvPicPr>
+        <p:blipFill>
+          <a:blip r:embed="rId2">
+            <a:extLst>
+              <a:ext uri="{28A0092B-C50C-407E-A947-70E740481C1C}">
+                <a14:useLocalDpi xmlns:a14="http://schemas.microsoft.com/office/drawing/2010/main" val="0"/>
+              </a:ext>
+            </a:extLst>
+          </a:blip>
+          <a:srcRect/>
+          <a:stretch>
+            <a:fillRect/>
+          </a:stretch>
+        </p:blipFill>
+        <p:spPr bwMode="auto">
+          <a:xfrm>
+            <a:off x="838199" y="674558"/>
+            <a:ext cx="10515599" cy="5973580"/>
+          </a:xfrm>
+          <a:prstGeom prst="rect">
+            <a:avLst/>
+          </a:prstGeom>
+          <a:noFill/>
+          <a:extLst>
+            <a:ext uri="{909E8E84-426E-40DD-AFC4-6F175D3DCCD1}">
+              <a14:hiddenFill xmlns:a14="http://schemas.microsoft.com/office/drawing/2010/main">
+                <a:solidFill>
+                  <a:srgbClr val="FFFFFF"/>
+                </a:solidFill>
+              </a14:hiddenFill>
+            </a:ext>
+          </a:extLst>
+        </p:spPr>
+      </p:pic>
     </p:spTree>
     <p:extLst>
       <p:ext uri="{BB962C8B-B14F-4D97-AF65-F5344CB8AC3E}">
-        <p14:creationId xmlns:p14="http://schemas.microsoft.com/office/powerpoint/2010/main" val="61847459"/>
+        <p14:creationId xmlns:p14="http://schemas.microsoft.com/office/powerpoint/2010/main" val="3991797495"/>
       </p:ext>
     </p:extLst>
   </p:cSld>
